--- a/R_Shiny_Presentation_4_9_19.pptx
+++ b/R_Shiny_Presentation_4_9_19.pptx
@@ -5,7 +5,7 @@
     <p:sldMasterId id="2147483648" r:id="rId1"/>
   </p:sldMasterIdLst>
   <p:notesMasterIdLst>
-    <p:notesMasterId r:id="rId15"/>
+    <p:notesMasterId r:id="rId16"/>
   </p:notesMasterIdLst>
   <p:sldIdLst>
     <p:sldId id="256" r:id="rId2"/>
@@ -13,14 +13,15 @@
     <p:sldId id="257" r:id="rId4"/>
     <p:sldId id="258" r:id="rId5"/>
     <p:sldId id="261" r:id="rId6"/>
-    <p:sldId id="262" r:id="rId7"/>
-    <p:sldId id="263" r:id="rId8"/>
-    <p:sldId id="264" r:id="rId9"/>
-    <p:sldId id="265" r:id="rId10"/>
-    <p:sldId id="266" r:id="rId11"/>
-    <p:sldId id="268" r:id="rId12"/>
-    <p:sldId id="260" r:id="rId13"/>
-    <p:sldId id="267" r:id="rId14"/>
+    <p:sldId id="269" r:id="rId7"/>
+    <p:sldId id="262" r:id="rId8"/>
+    <p:sldId id="263" r:id="rId9"/>
+    <p:sldId id="264" r:id="rId10"/>
+    <p:sldId id="265" r:id="rId11"/>
+    <p:sldId id="266" r:id="rId12"/>
+    <p:sldId id="268" r:id="rId13"/>
+    <p:sldId id="260" r:id="rId14"/>
+    <p:sldId id="267" r:id="rId15"/>
   </p:sldIdLst>
   <p:sldSz cx="12192000" cy="6858000"/>
   <p:notesSz cx="6858000" cy="9144000"/>
@@ -649,7 +650,7 @@
           <a:p>
             <a:fld id="{1B99E155-6F98-4933-BFFE-554D6069BC0B}" type="slidenum">
               <a:rPr lang="en-US" smtClean="0"/>
-              <a:t>6</a:t>
+              <a:t>7</a:t>
             </a:fld>
             <a:endParaRPr lang="en-US"/>
           </a:p>
@@ -740,7 +741,7 @@
           <a:p>
             <a:fld id="{1B99E155-6F98-4933-BFFE-554D6069BC0B}" type="slidenum">
               <a:rPr lang="en-US" smtClean="0"/>
-              <a:t>9</a:t>
+              <a:t>10</a:t>
             </a:fld>
             <a:endParaRPr lang="en-US"/>
           </a:p>
@@ -14995,6 +14996,990 @@
 <file path=ppt/slides/slide10.xml><?xml version="1.0" encoding="utf-8"?>
 <p:sld xmlns:a="http://schemas.openxmlformats.org/drawingml/2006/main" xmlns:r="http://schemas.openxmlformats.org/officeDocument/2006/relationships" xmlns:p="http://schemas.openxmlformats.org/presentationml/2006/main">
   <p:cSld>
+    <p:bg>
+      <p:bgPr>
+        <a:solidFill>
+          <a:schemeClr val="bg1"/>
+        </a:solidFill>
+        <a:effectLst/>
+      </p:bgPr>
+    </p:bg>
+    <p:spTree>
+      <p:nvGrpSpPr>
+        <p:cNvPr id="1" name=""/>
+        <p:cNvGrpSpPr/>
+        <p:nvPr/>
+      </p:nvGrpSpPr>
+      <p:grpSpPr>
+        <a:xfrm>
+          <a:off x="0" y="0"/>
+          <a:ext cx="0" cy="0"/>
+          <a:chOff x="0" y="0"/>
+          <a:chExt cx="0" cy="0"/>
+        </a:xfrm>
+      </p:grpSpPr>
+      <p:grpSp>
+        <p:nvGrpSpPr>
+          <p:cNvPr id="26" name="Group 25">
+            <a:extLst>
+              <a:ext uri="{FF2B5EF4-FFF2-40B4-BE49-F238E27FC236}">
+                <a16:creationId xmlns:a16="http://schemas.microsoft.com/office/drawing/2014/main" id="{5A992EA8-A2AE-480C-BFF9-7B134643975C}"/>
+              </a:ext>
+              <a:ext uri="{C183D7F6-B498-43B3-948B-1728B52AA6E4}">
+                <adec:decorative xmlns:adec="http://schemas.microsoft.com/office/drawing/2017/decorative" val="1"/>
+              </a:ext>
+            </a:extLst>
+          </p:cNvPr>
+          <p:cNvGrpSpPr>
+            <a:grpSpLocks noGrp="1" noUngrp="1" noRot="1" noChangeAspect="1" noMove="1" noResize="1"/>
+          </p:cNvGrpSpPr>
+          <p:nvPr>
+            <p:extLst>
+              <p:ext uri="{386F3935-93C4-4BCD-93E2-E3B085C9AB24}">
+                <p16:designElem xmlns:p16="http://schemas.microsoft.com/office/powerpoint/2015/main" val="1"/>
+              </p:ext>
+            </p:extLst>
+          </p:nvPr>
+        </p:nvGrpSpPr>
+        <p:grpSpPr>
+          <a:xfrm>
+            <a:off x="0" y="-2373"/>
+            <a:ext cx="12192000" cy="6867027"/>
+            <a:chOff x="0" y="-2373"/>
+            <a:chExt cx="12192000" cy="6867027"/>
+          </a:xfrm>
+        </p:grpSpPr>
+        <p:sp>
+          <p:nvSpPr>
+            <p:cNvPr id="27" name="Rectangle 26">
+              <a:extLst>
+                <a:ext uri="{FF2B5EF4-FFF2-40B4-BE49-F238E27FC236}">
+                  <a16:creationId xmlns:a16="http://schemas.microsoft.com/office/drawing/2014/main" id="{0F6F97DA-7406-453D-9AB4-28B0891BBFF4}"/>
+                </a:ext>
+                <a:ext uri="{C183D7F6-B498-43B3-948B-1728B52AA6E4}">
+                  <adec:decorative xmlns:adec="http://schemas.microsoft.com/office/drawing/2017/decorative" val="1"/>
+                </a:ext>
+              </a:extLst>
+            </p:cNvPr>
+            <p:cNvSpPr/>
+            <p:nvPr>
+              <p:extLst>
+                <p:ext uri="{386F3935-93C4-4BCD-93E2-E3B085C9AB24}">
+                  <p16:designElem xmlns:p16="http://schemas.microsoft.com/office/powerpoint/2015/main" val="1"/>
+                </p:ext>
+              </p:extLst>
+            </p:nvPr>
+          </p:nvSpPr>
+          <p:spPr>
+            <a:xfrm>
+              <a:off x="0" y="0"/>
+              <a:ext cx="12192000" cy="6858000"/>
+            </a:xfrm>
+            <a:prstGeom prst="rect">
+              <a:avLst/>
+            </a:prstGeom>
+            <a:blipFill>
+              <a:blip r:embed="rId3">
+                <a:duotone>
+                  <a:schemeClr val="dk2">
+                    <a:shade val="62000"/>
+                    <a:hueMod val="108000"/>
+                    <a:satMod val="164000"/>
+                    <a:lumMod val="69000"/>
+                  </a:schemeClr>
+                  <a:schemeClr val="dk2">
+                    <a:tint val="96000"/>
+                    <a:hueMod val="90000"/>
+                    <a:satMod val="130000"/>
+                    <a:lumMod val="134000"/>
+                  </a:schemeClr>
+                </a:duotone>
+              </a:blip>
+              <a:stretch>
+                <a:fillRect/>
+              </a:stretch>
+            </a:blipFill>
+            <a:ln>
+              <a:noFill/>
+            </a:ln>
+          </p:spPr>
+          <p:style>
+            <a:lnRef idx="2">
+              <a:schemeClr val="accent1">
+                <a:shade val="50000"/>
+              </a:schemeClr>
+            </a:lnRef>
+            <a:fillRef idx="1">
+              <a:schemeClr val="accent1"/>
+            </a:fillRef>
+            <a:effectRef idx="0">
+              <a:schemeClr val="accent1"/>
+            </a:effectRef>
+            <a:fontRef idx="minor">
+              <a:schemeClr val="lt1"/>
+            </a:fontRef>
+          </p:style>
+        </p:sp>
+        <p:sp>
+          <p:nvSpPr>
+            <p:cNvPr id="28" name="Oval 27">
+              <a:extLst>
+                <a:ext uri="{FF2B5EF4-FFF2-40B4-BE49-F238E27FC236}">
+                  <a16:creationId xmlns:a16="http://schemas.microsoft.com/office/drawing/2014/main" id="{31D171A9-30C8-4156-8EAF-50888EBE77EC}"/>
+                </a:ext>
+                <a:ext uri="{C183D7F6-B498-43B3-948B-1728B52AA6E4}">
+                  <adec:decorative xmlns:adec="http://schemas.microsoft.com/office/drawing/2017/decorative" val="1"/>
+                </a:ext>
+              </a:extLst>
+            </p:cNvPr>
+            <p:cNvSpPr/>
+            <p:nvPr>
+              <p:extLst>
+                <p:ext uri="{386F3935-93C4-4BCD-93E2-E3B085C9AB24}">
+                  <p16:designElem xmlns:p16="http://schemas.microsoft.com/office/powerpoint/2015/main" val="1"/>
+                </p:ext>
+              </p:extLst>
+            </p:nvPr>
+          </p:nvSpPr>
+          <p:spPr>
+            <a:xfrm>
+              <a:off x="3220" y="2667000"/>
+              <a:ext cx="4191000" cy="4191000"/>
+            </a:xfrm>
+            <a:prstGeom prst="ellipse">
+              <a:avLst/>
+            </a:prstGeom>
+            <a:gradFill flip="none" rotWithShape="1">
+              <a:gsLst>
+                <a:gs pos="0">
+                  <a:schemeClr val="bg2">
+                    <a:lumMod val="40000"/>
+                    <a:lumOff val="60000"/>
+                    <a:alpha val="11000"/>
+                  </a:schemeClr>
+                </a:gs>
+                <a:gs pos="75000">
+                  <a:schemeClr val="bg2">
+                    <a:lumMod val="40000"/>
+                    <a:lumOff val="60000"/>
+                    <a:alpha val="0"/>
+                  </a:schemeClr>
+                </a:gs>
+                <a:gs pos="36000">
+                  <a:schemeClr val="bg2">
+                    <a:lumMod val="40000"/>
+                    <a:lumOff val="60000"/>
+                    <a:alpha val="10000"/>
+                  </a:schemeClr>
+                </a:gs>
+              </a:gsLst>
+              <a:path path="circle">
+                <a:fillToRect l="50000" t="50000" r="50000" b="50000"/>
+              </a:path>
+              <a:tileRect/>
+            </a:gradFill>
+            <a:ln>
+              <a:noFill/>
+            </a:ln>
+            <a:effectLst/>
+          </p:spPr>
+          <p:style>
+            <a:lnRef idx="1">
+              <a:schemeClr val="accent1"/>
+            </a:lnRef>
+            <a:fillRef idx="3">
+              <a:schemeClr val="accent1"/>
+            </a:fillRef>
+            <a:effectRef idx="2">
+              <a:schemeClr val="accent1"/>
+            </a:effectRef>
+            <a:fontRef idx="minor">
+              <a:schemeClr val="lt1"/>
+            </a:fontRef>
+          </p:style>
+        </p:sp>
+        <p:sp>
+          <p:nvSpPr>
+            <p:cNvPr id="29" name="Oval 28">
+              <a:extLst>
+                <a:ext uri="{FF2B5EF4-FFF2-40B4-BE49-F238E27FC236}">
+                  <a16:creationId xmlns:a16="http://schemas.microsoft.com/office/drawing/2014/main" id="{C52A6C74-8DC4-4902-962C-0DAFD7F9B5E3}"/>
+                </a:ext>
+                <a:ext uri="{C183D7F6-B498-43B3-948B-1728B52AA6E4}">
+                  <adec:decorative xmlns:adec="http://schemas.microsoft.com/office/drawing/2017/decorative" val="1"/>
+                </a:ext>
+              </a:extLst>
+            </p:cNvPr>
+            <p:cNvSpPr/>
+            <p:nvPr>
+              <p:extLst>
+                <p:ext uri="{386F3935-93C4-4BCD-93E2-E3B085C9AB24}">
+                  <p16:designElem xmlns:p16="http://schemas.microsoft.com/office/powerpoint/2015/main" val="1"/>
+                </p:ext>
+              </p:extLst>
+            </p:nvPr>
+          </p:nvSpPr>
+          <p:spPr>
+            <a:xfrm>
+              <a:off x="1750" y="2895600"/>
+              <a:ext cx="2362200" cy="2362200"/>
+            </a:xfrm>
+            <a:prstGeom prst="ellipse">
+              <a:avLst/>
+            </a:prstGeom>
+            <a:gradFill flip="none" rotWithShape="1">
+              <a:gsLst>
+                <a:gs pos="0">
+                  <a:schemeClr val="bg2">
+                    <a:lumMod val="40000"/>
+                    <a:lumOff val="60000"/>
+                    <a:alpha val="8000"/>
+                  </a:schemeClr>
+                </a:gs>
+                <a:gs pos="72000">
+                  <a:schemeClr val="bg2">
+                    <a:lumMod val="40000"/>
+                    <a:lumOff val="60000"/>
+                    <a:alpha val="0"/>
+                  </a:schemeClr>
+                </a:gs>
+                <a:gs pos="36000">
+                  <a:schemeClr val="bg2">
+                    <a:lumMod val="40000"/>
+                    <a:lumOff val="60000"/>
+                    <a:alpha val="8000"/>
+                  </a:schemeClr>
+                </a:gs>
+              </a:gsLst>
+              <a:path path="circle">
+                <a:fillToRect l="50000" t="50000" r="50000" b="50000"/>
+              </a:path>
+              <a:tileRect/>
+            </a:gradFill>
+            <a:ln>
+              <a:noFill/>
+            </a:ln>
+            <a:effectLst/>
+          </p:spPr>
+          <p:style>
+            <a:lnRef idx="1">
+              <a:schemeClr val="accent1"/>
+            </a:lnRef>
+            <a:fillRef idx="3">
+              <a:schemeClr val="accent1"/>
+            </a:fillRef>
+            <a:effectRef idx="2">
+              <a:schemeClr val="accent1"/>
+            </a:effectRef>
+            <a:fontRef idx="minor">
+              <a:schemeClr val="lt1"/>
+            </a:fontRef>
+          </p:style>
+        </p:sp>
+        <p:sp>
+          <p:nvSpPr>
+            <p:cNvPr id="30" name="Oval 29">
+              <a:extLst>
+                <a:ext uri="{FF2B5EF4-FFF2-40B4-BE49-F238E27FC236}">
+                  <a16:creationId xmlns:a16="http://schemas.microsoft.com/office/drawing/2014/main" id="{D34C65DE-5132-426E-9E92-81CB9EFF8941}"/>
+                </a:ext>
+                <a:ext uri="{C183D7F6-B498-43B3-948B-1728B52AA6E4}">
+                  <adec:decorative xmlns:adec="http://schemas.microsoft.com/office/drawing/2017/decorative" val="1"/>
+                </a:ext>
+              </a:extLst>
+            </p:cNvPr>
+            <p:cNvSpPr/>
+            <p:nvPr>
+              <p:extLst>
+                <p:ext uri="{386F3935-93C4-4BCD-93E2-E3B085C9AB24}">
+                  <p16:designElem xmlns:p16="http://schemas.microsoft.com/office/powerpoint/2015/main" val="1"/>
+                </p:ext>
+              </p:extLst>
+            </p:nvPr>
+          </p:nvSpPr>
+          <p:spPr>
+            <a:xfrm>
+              <a:off x="8609012" y="1676400"/>
+              <a:ext cx="2819400" cy="2819400"/>
+            </a:xfrm>
+            <a:prstGeom prst="ellipse">
+              <a:avLst/>
+            </a:prstGeom>
+            <a:gradFill flip="none" rotWithShape="1">
+              <a:gsLst>
+                <a:gs pos="0">
+                  <a:schemeClr val="bg2">
+                    <a:lumMod val="40000"/>
+                    <a:lumOff val="60000"/>
+                    <a:alpha val="7000"/>
+                  </a:schemeClr>
+                </a:gs>
+                <a:gs pos="69000">
+                  <a:schemeClr val="bg2">
+                    <a:lumMod val="40000"/>
+                    <a:lumOff val="60000"/>
+                    <a:alpha val="0"/>
+                  </a:schemeClr>
+                </a:gs>
+                <a:gs pos="36000">
+                  <a:schemeClr val="bg2">
+                    <a:lumMod val="40000"/>
+                    <a:lumOff val="60000"/>
+                    <a:alpha val="6000"/>
+                  </a:schemeClr>
+                </a:gs>
+              </a:gsLst>
+              <a:path path="circle">
+                <a:fillToRect l="50000" t="50000" r="50000" b="50000"/>
+              </a:path>
+              <a:tileRect/>
+            </a:gradFill>
+            <a:ln>
+              <a:noFill/>
+            </a:ln>
+            <a:effectLst/>
+          </p:spPr>
+          <p:style>
+            <a:lnRef idx="1">
+              <a:schemeClr val="accent1"/>
+            </a:lnRef>
+            <a:fillRef idx="3">
+              <a:schemeClr val="accent1"/>
+            </a:fillRef>
+            <a:effectRef idx="2">
+              <a:schemeClr val="accent1"/>
+            </a:effectRef>
+            <a:fontRef idx="minor">
+              <a:schemeClr val="lt1"/>
+            </a:fontRef>
+          </p:style>
+        </p:sp>
+        <p:sp>
+          <p:nvSpPr>
+            <p:cNvPr id="31" name="Oval 30">
+              <a:extLst>
+                <a:ext uri="{FF2B5EF4-FFF2-40B4-BE49-F238E27FC236}">
+                  <a16:creationId xmlns:a16="http://schemas.microsoft.com/office/drawing/2014/main" id="{463FE9C4-150E-4C97-A21E-53B7CD261A14}"/>
+                </a:ext>
+                <a:ext uri="{C183D7F6-B498-43B3-948B-1728B52AA6E4}">
+                  <adec:decorative xmlns:adec="http://schemas.microsoft.com/office/drawing/2017/decorative" val="1"/>
+                </a:ext>
+              </a:extLst>
+            </p:cNvPr>
+            <p:cNvSpPr/>
+            <p:nvPr>
+              <p:extLst>
+                <p:ext uri="{386F3935-93C4-4BCD-93E2-E3B085C9AB24}">
+                  <p16:designElem xmlns:p16="http://schemas.microsoft.com/office/powerpoint/2015/main" val="1"/>
+                </p:ext>
+              </p:extLst>
+            </p:nvPr>
+          </p:nvSpPr>
+          <p:spPr>
+            <a:xfrm>
+              <a:off x="7999412" y="-2373"/>
+              <a:ext cx="1600200" cy="1600200"/>
+            </a:xfrm>
+            <a:prstGeom prst="ellipse">
+              <a:avLst/>
+            </a:prstGeom>
+            <a:gradFill flip="none" rotWithShape="1">
+              <a:gsLst>
+                <a:gs pos="0">
+                  <a:schemeClr val="bg2">
+                    <a:lumMod val="40000"/>
+                    <a:lumOff val="60000"/>
+                    <a:alpha val="14000"/>
+                  </a:schemeClr>
+                </a:gs>
+                <a:gs pos="73000">
+                  <a:schemeClr val="bg2">
+                    <a:lumMod val="40000"/>
+                    <a:lumOff val="60000"/>
+                    <a:alpha val="0"/>
+                  </a:schemeClr>
+                </a:gs>
+                <a:gs pos="36000">
+                  <a:schemeClr val="bg2">
+                    <a:lumMod val="40000"/>
+                    <a:lumOff val="60000"/>
+                    <a:alpha val="7000"/>
+                  </a:schemeClr>
+                </a:gs>
+              </a:gsLst>
+              <a:path path="circle">
+                <a:fillToRect l="50000" t="50000" r="50000" b="50000"/>
+              </a:path>
+              <a:tileRect/>
+            </a:gradFill>
+            <a:ln>
+              <a:noFill/>
+            </a:ln>
+            <a:effectLst/>
+          </p:spPr>
+          <p:style>
+            <a:lnRef idx="1">
+              <a:schemeClr val="accent1"/>
+            </a:lnRef>
+            <a:fillRef idx="3">
+              <a:schemeClr val="accent1"/>
+            </a:fillRef>
+            <a:effectRef idx="2">
+              <a:schemeClr val="accent1"/>
+            </a:effectRef>
+            <a:fontRef idx="minor">
+              <a:schemeClr val="lt1"/>
+            </a:fontRef>
+          </p:style>
+        </p:sp>
+        <p:sp>
+          <p:nvSpPr>
+            <p:cNvPr id="32" name="Oval 31">
+              <a:extLst>
+                <a:ext uri="{FF2B5EF4-FFF2-40B4-BE49-F238E27FC236}">
+                  <a16:creationId xmlns:a16="http://schemas.microsoft.com/office/drawing/2014/main" id="{F4DD7FA2-5B3A-4DD2-BA1A-735CC86BAA06}"/>
+                </a:ext>
+                <a:ext uri="{C183D7F6-B498-43B3-948B-1728B52AA6E4}">
+                  <adec:decorative xmlns:adec="http://schemas.microsoft.com/office/drawing/2017/decorative" val="1"/>
+                </a:ext>
+              </a:extLst>
+            </p:cNvPr>
+            <p:cNvSpPr/>
+            <p:nvPr>
+              <p:extLst>
+                <p:ext uri="{386F3935-93C4-4BCD-93E2-E3B085C9AB24}">
+                  <p16:designElem xmlns:p16="http://schemas.microsoft.com/office/powerpoint/2015/main" val="1"/>
+                </p:ext>
+              </p:extLst>
+            </p:nvPr>
+          </p:nvSpPr>
+          <p:spPr>
+            <a:xfrm>
+              <a:off x="8609012" y="5874054"/>
+              <a:ext cx="990600" cy="990600"/>
+            </a:xfrm>
+            <a:prstGeom prst="ellipse">
+              <a:avLst/>
+            </a:prstGeom>
+            <a:gradFill flip="none" rotWithShape="1">
+              <a:gsLst>
+                <a:gs pos="0">
+                  <a:schemeClr val="bg2">
+                    <a:lumMod val="40000"/>
+                    <a:lumOff val="60000"/>
+                    <a:alpha val="14000"/>
+                  </a:schemeClr>
+                </a:gs>
+                <a:gs pos="66000">
+                  <a:schemeClr val="bg2">
+                    <a:lumMod val="40000"/>
+                    <a:lumOff val="60000"/>
+                    <a:alpha val="0"/>
+                  </a:schemeClr>
+                </a:gs>
+                <a:gs pos="36000">
+                  <a:schemeClr val="bg2">
+                    <a:lumMod val="40000"/>
+                    <a:lumOff val="60000"/>
+                    <a:alpha val="7000"/>
+                  </a:schemeClr>
+                </a:gs>
+              </a:gsLst>
+              <a:path path="circle">
+                <a:fillToRect l="50000" t="50000" r="50000" b="50000"/>
+              </a:path>
+              <a:tileRect/>
+            </a:gradFill>
+            <a:ln>
+              <a:noFill/>
+            </a:ln>
+            <a:effectLst/>
+          </p:spPr>
+          <p:style>
+            <a:lnRef idx="1">
+              <a:schemeClr val="accent1"/>
+            </a:lnRef>
+            <a:fillRef idx="3">
+              <a:schemeClr val="accent1"/>
+            </a:fillRef>
+            <a:effectRef idx="2">
+              <a:schemeClr val="accent1"/>
+            </a:effectRef>
+            <a:fontRef idx="minor">
+              <a:schemeClr val="lt1"/>
+            </a:fontRef>
+          </p:style>
+        </p:sp>
+        <p:sp>
+          <p:nvSpPr>
+            <p:cNvPr id="33" name="Freeform 5">
+              <a:extLst>
+                <a:ext uri="{FF2B5EF4-FFF2-40B4-BE49-F238E27FC236}">
+                  <a16:creationId xmlns:a16="http://schemas.microsoft.com/office/drawing/2014/main" id="{B11D6824-D097-439B-9956-5436E5111A9B}"/>
+                </a:ext>
+                <a:ext uri="{C183D7F6-B498-43B3-948B-1728B52AA6E4}">
+                  <adec:decorative xmlns:adec="http://schemas.microsoft.com/office/drawing/2017/decorative" val="1"/>
+                </a:ext>
+              </a:extLst>
+            </p:cNvPr>
+            <p:cNvSpPr>
+              <a:spLocks noEditPoints="1"/>
+            </p:cNvSpPr>
+            <p:nvPr>
+              <p:extLst>
+                <p:ext uri="{386F3935-93C4-4BCD-93E2-E3B085C9AB24}">
+                  <p16:designElem xmlns:p16="http://schemas.microsoft.com/office/powerpoint/2015/main" val="1"/>
+                </p:ext>
+              </p:extLst>
+            </p:nvPr>
+          </p:nvSpPr>
+          <p:spPr bwMode="gray">
+            <a:xfrm>
+              <a:off x="0" y="1587"/>
+              <a:ext cx="12192000" cy="6856413"/>
+            </a:xfrm>
+            <a:custGeom>
+              <a:avLst/>
+              <a:gdLst/>
+              <a:ahLst/>
+              <a:cxnLst/>
+              <a:rect l="0" t="0" r="r" b="b"/>
+              <a:pathLst>
+                <a:path w="15356" h="8638">
+                  <a:moveTo>
+                    <a:pt x="0" y="0"/>
+                  </a:moveTo>
+                  <a:lnTo>
+                    <a:pt x="0" y="8638"/>
+                  </a:lnTo>
+                  <a:lnTo>
+                    <a:pt x="15356" y="8638"/>
+                  </a:lnTo>
+                  <a:lnTo>
+                    <a:pt x="15356" y="0"/>
+                  </a:lnTo>
+                  <a:lnTo>
+                    <a:pt x="0" y="0"/>
+                  </a:lnTo>
+                  <a:close/>
+                  <a:moveTo>
+                    <a:pt x="14748" y="8038"/>
+                  </a:moveTo>
+                  <a:lnTo>
+                    <a:pt x="600" y="8038"/>
+                  </a:lnTo>
+                  <a:lnTo>
+                    <a:pt x="600" y="592"/>
+                  </a:lnTo>
+                  <a:lnTo>
+                    <a:pt x="14748" y="592"/>
+                  </a:lnTo>
+                  <a:lnTo>
+                    <a:pt x="14748" y="8038"/>
+                  </a:lnTo>
+                  <a:close/>
+                </a:path>
+              </a:pathLst>
+            </a:custGeom>
+            <a:solidFill>
+              <a:schemeClr val="bg1"/>
+            </a:solidFill>
+            <a:ln>
+              <a:noFill/>
+            </a:ln>
+          </p:spPr>
+        </p:sp>
+      </p:grpSp>
+      <p:sp>
+        <p:nvSpPr>
+          <p:cNvPr id="35" name="Rectangle 34">
+            <a:extLst>
+              <a:ext uri="{FF2B5EF4-FFF2-40B4-BE49-F238E27FC236}">
+                <a16:creationId xmlns:a16="http://schemas.microsoft.com/office/drawing/2014/main" id="{5669AB50-4CAD-4D10-A09A-A0C01AF9E6F6}"/>
+              </a:ext>
+              <a:ext uri="{C183D7F6-B498-43B3-948B-1728B52AA6E4}">
+                <adec:decorative xmlns:adec="http://schemas.microsoft.com/office/drawing/2017/decorative" val="1"/>
+              </a:ext>
+            </a:extLst>
+          </p:cNvPr>
+          <p:cNvSpPr>
+            <a:spLocks noGrp="1" noRot="1" noChangeAspect="1" noMove="1" noResize="1" noEditPoints="1" noAdjustHandles="1" noChangeArrowheads="1" noChangeShapeType="1" noTextEdit="1"/>
+          </p:cNvSpPr>
+          <p:nvPr>
+            <p:extLst>
+              <p:ext uri="{386F3935-93C4-4BCD-93E2-E3B085C9AB24}">
+                <p16:designElem xmlns:p16="http://schemas.microsoft.com/office/powerpoint/2015/main" val="1"/>
+              </p:ext>
+            </p:extLst>
+          </p:nvPr>
+        </p:nvSpPr>
+        <p:spPr>
+          <a:xfrm>
+            <a:off x="10437812" y="0"/>
+            <a:ext cx="685800" cy="1143000"/>
+          </a:xfrm>
+          <a:prstGeom prst="rect">
+            <a:avLst/>
+          </a:prstGeom>
+          <a:solidFill>
+            <a:schemeClr val="accent1"/>
+          </a:solidFill>
+          <a:ln>
+            <a:noFill/>
+          </a:ln>
+        </p:spPr>
+        <p:style>
+          <a:lnRef idx="1">
+            <a:schemeClr val="accent1"/>
+          </a:lnRef>
+          <a:fillRef idx="3">
+            <a:schemeClr val="accent1"/>
+          </a:fillRef>
+          <a:effectRef idx="2">
+            <a:schemeClr val="accent1"/>
+          </a:effectRef>
+          <a:fontRef idx="minor">
+            <a:schemeClr val="lt1"/>
+          </a:fontRef>
+        </p:style>
+      </p:sp>
+      <p:sp>
+        <p:nvSpPr>
+          <p:cNvPr id="2" name="Title 1">
+            <a:extLst>
+              <a:ext uri="{FF2B5EF4-FFF2-40B4-BE49-F238E27FC236}">
+                <a16:creationId xmlns:a16="http://schemas.microsoft.com/office/drawing/2014/main" id="{6678802E-7D22-428B-B3DE-437E3AB1871E}"/>
+              </a:ext>
+            </a:extLst>
+          </p:cNvPr>
+          <p:cNvSpPr>
+            <a:spLocks noGrp="1"/>
+          </p:cNvSpPr>
+          <p:nvPr>
+            <p:ph type="title"/>
+          </p:nvPr>
+        </p:nvSpPr>
+        <p:spPr>
+          <a:xfrm>
+            <a:off x="535318" y="4310144"/>
+            <a:ext cx="10893094" cy="1915940"/>
+          </a:xfrm>
+        </p:spPr>
+        <p:txBody>
+          <a:bodyPr vert="horz" lIns="91440" tIns="45720" rIns="91440" bIns="45720" rtlCol="0" anchor="b">
+            <a:normAutofit/>
+          </a:bodyPr>
+          <a:lstStyle/>
+          <a:p>
+            <a:pPr algn="ctr">
+              <a:lnSpc>
+                <a:spcPct val="90000"/>
+              </a:lnSpc>
+            </a:pPr>
+            <a:r>
+              <a:rPr lang="en-US" sz="4000" b="0" i="0" kern="1200" dirty="0">
+                <a:solidFill>
+                  <a:schemeClr val="bg2"/>
+                </a:solidFill>
+                <a:latin typeface="+mj-lt"/>
+                <a:ea typeface="+mj-ea"/>
+                <a:cs typeface="+mj-cs"/>
+              </a:rPr>
+              <a:t>Server:</a:t>
+            </a:r>
+            <a:br>
+              <a:rPr lang="en-US" sz="4000" b="0" i="0" kern="1200" dirty="0">
+                <a:solidFill>
+                  <a:schemeClr val="bg2"/>
+                </a:solidFill>
+                <a:latin typeface="+mj-lt"/>
+                <a:ea typeface="+mj-ea"/>
+                <a:cs typeface="+mj-cs"/>
+              </a:rPr>
+            </a:br>
+            <a:r>
+              <a:rPr lang="en-US" sz="4000" b="0" i="0" kern="1200" dirty="0">
+                <a:solidFill>
+                  <a:schemeClr val="bg2"/>
+                </a:solidFill>
+                <a:latin typeface="+mj-lt"/>
+                <a:ea typeface="+mj-ea"/>
+                <a:cs typeface="+mj-cs"/>
+              </a:rPr>
+              <a:t>Feeding the Data to the Output</a:t>
+            </a:r>
+            <a:br>
+              <a:rPr lang="en-US" sz="4000" b="0" i="0" kern="1200" dirty="0">
+                <a:solidFill>
+                  <a:schemeClr val="bg2"/>
+                </a:solidFill>
+                <a:latin typeface="+mj-lt"/>
+                <a:ea typeface="+mj-ea"/>
+                <a:cs typeface="+mj-cs"/>
+              </a:rPr>
+            </a:br>
+            <a:endParaRPr lang="en-US" sz="4000" b="0" i="0" kern="1200" dirty="0">
+              <a:solidFill>
+                <a:schemeClr val="bg2"/>
+              </a:solidFill>
+              <a:latin typeface="+mj-lt"/>
+              <a:ea typeface="+mj-ea"/>
+              <a:cs typeface="+mj-cs"/>
+            </a:endParaRPr>
+          </a:p>
+        </p:txBody>
+      </p:sp>
+      <p:pic>
+        <p:nvPicPr>
+          <p:cNvPr id="3" name="Picture 2">
+            <a:extLst>
+              <a:ext uri="{FF2B5EF4-FFF2-40B4-BE49-F238E27FC236}">
+                <a16:creationId xmlns:a16="http://schemas.microsoft.com/office/drawing/2014/main" id="{5D2D38FD-FE71-46C8-AFA5-3827CD19CC4A}"/>
+              </a:ext>
+            </a:extLst>
+          </p:cNvPr>
+          <p:cNvPicPr>
+            <a:picLocks noChangeAspect="1"/>
+          </p:cNvPicPr>
+          <p:nvPr/>
+        </p:nvPicPr>
+        <p:blipFill>
+          <a:blip r:embed="rId4"/>
+          <a:stretch>
+            <a:fillRect/>
+          </a:stretch>
+        </p:blipFill>
+        <p:spPr>
+          <a:xfrm>
+            <a:off x="1641129" y="1244291"/>
+            <a:ext cx="8909742" cy="3065853"/>
+          </a:xfrm>
+          <a:prstGeom prst="roundRect">
+            <a:avLst>
+              <a:gd name="adj" fmla="val 1858"/>
+            </a:avLst>
+          </a:prstGeom>
+          <a:effectLst>
+            <a:outerShdw blurRad="50800" dist="50800" dir="5400000" algn="tl" rotWithShape="0">
+              <a:srgbClr val="000000">
+                <a:alpha val="43000"/>
+              </a:srgbClr>
+            </a:outerShdw>
+          </a:effectLst>
+        </p:spPr>
+      </p:pic>
+      <p:pic>
+        <p:nvPicPr>
+          <p:cNvPr id="6" name="Picture 5">
+            <a:extLst>
+              <a:ext uri="{FF2B5EF4-FFF2-40B4-BE49-F238E27FC236}">
+                <a16:creationId xmlns:a16="http://schemas.microsoft.com/office/drawing/2014/main" id="{1930873E-017A-4FF6-90A4-B92EAC0D1037}"/>
+              </a:ext>
+            </a:extLst>
+          </p:cNvPr>
+          <p:cNvPicPr>
+            <a:picLocks noChangeAspect="1"/>
+          </p:cNvPicPr>
+          <p:nvPr/>
+        </p:nvPicPr>
+        <p:blipFill>
+          <a:blip r:embed="rId5"/>
+          <a:stretch>
+            <a:fillRect/>
+          </a:stretch>
+        </p:blipFill>
+        <p:spPr>
+          <a:xfrm>
+            <a:off x="6380162" y="309563"/>
+            <a:ext cx="3238500" cy="733425"/>
+          </a:xfrm>
+          <a:prstGeom prst="rect">
+            <a:avLst/>
+          </a:prstGeom>
+        </p:spPr>
+      </p:pic>
+      <p:sp>
+        <p:nvSpPr>
+          <p:cNvPr id="8" name="Slide Number Placeholder 7">
+            <a:extLst>
+              <a:ext uri="{FF2B5EF4-FFF2-40B4-BE49-F238E27FC236}">
+                <a16:creationId xmlns:a16="http://schemas.microsoft.com/office/drawing/2014/main" id="{9FADC823-E191-490F-8584-80FE21836AF6}"/>
+              </a:ext>
+            </a:extLst>
+          </p:cNvPr>
+          <p:cNvSpPr>
+            <a:spLocks noGrp="1"/>
+          </p:cNvSpPr>
+          <p:nvPr>
+            <p:ph type="sldNum" sz="quarter" idx="12"/>
+          </p:nvPr>
+        </p:nvSpPr>
+        <p:spPr/>
+        <p:txBody>
+          <a:bodyPr/>
+          <a:lstStyle/>
+          <a:p>
+            <a:fld id="{D57F1E4F-1CFF-5643-939E-217C01CDF565}" type="slidenum">
+              <a:rPr lang="en-US" smtClean="0"/>
+              <a:pPr/>
+              <a:t>10</a:t>
+            </a:fld>
+            <a:endParaRPr lang="en-US" dirty="0"/>
+          </a:p>
+        </p:txBody>
+      </p:sp>
+    </p:spTree>
+    <p:extLst>
+      <p:ext uri="{BB962C8B-B14F-4D97-AF65-F5344CB8AC3E}">
+        <p14:creationId xmlns:p14="http://schemas.microsoft.com/office/powerpoint/2010/main" val="1162286960"/>
+      </p:ext>
+    </p:extLst>
+  </p:cSld>
+  <p:clrMapOvr>
+    <a:masterClrMapping/>
+  </p:clrMapOvr>
+  <p:timing>
+    <p:tnLst>
+      <p:par>
+        <p:cTn id="1" dur="indefinite" restart="never" nodeType="tmRoot">
+          <p:childTnLst>
+            <p:seq concurrent="1" nextAc="seek">
+              <p:cTn id="2" dur="indefinite" nodeType="mainSeq">
+                <p:childTnLst>
+                  <p:par>
+                    <p:cTn id="3" fill="hold">
+                      <p:stCondLst>
+                        <p:cond delay="indefinite"/>
+                      </p:stCondLst>
+                      <p:childTnLst>
+                        <p:par>
+                          <p:cTn id="4" fill="hold">
+                            <p:stCondLst>
+                              <p:cond delay="0"/>
+                            </p:stCondLst>
+                            <p:childTnLst>
+                              <p:par>
+                                <p:cTn id="5" presetID="10" presetClass="entr" presetSubtype="0" fill="hold" nodeType="clickEffect">
+                                  <p:stCondLst>
+                                    <p:cond delay="0"/>
+                                  </p:stCondLst>
+                                  <p:childTnLst>
+                                    <p:set>
+                                      <p:cBhvr>
+                                        <p:cTn id="6" dur="1" fill="hold">
+                                          <p:stCondLst>
+                                            <p:cond delay="0"/>
+                                          </p:stCondLst>
+                                        </p:cTn>
+                                        <p:tgtEl>
+                                          <p:spTgt spid="6"/>
+                                        </p:tgtEl>
+                                        <p:attrNameLst>
+                                          <p:attrName>style.visibility</p:attrName>
+                                        </p:attrNameLst>
+                                      </p:cBhvr>
+                                      <p:to>
+                                        <p:strVal val="visible"/>
+                                      </p:to>
+                                    </p:set>
+                                    <p:animEffect transition="in" filter="fade">
+                                      <p:cBhvr>
+                                        <p:cTn id="7" dur="500"/>
+                                        <p:tgtEl>
+                                          <p:spTgt spid="6"/>
+                                        </p:tgtEl>
+                                      </p:cBhvr>
+                                    </p:animEffect>
+                                  </p:childTnLst>
+                                </p:cTn>
+                              </p:par>
+                            </p:childTnLst>
+                          </p:cTn>
+                        </p:par>
+                      </p:childTnLst>
+                    </p:cTn>
+                  </p:par>
+                  <p:par>
+                    <p:cTn id="8" fill="hold">
+                      <p:stCondLst>
+                        <p:cond delay="indefinite"/>
+                      </p:stCondLst>
+                      <p:childTnLst>
+                        <p:par>
+                          <p:cTn id="9" fill="hold">
+                            <p:stCondLst>
+                              <p:cond delay="0"/>
+                            </p:stCondLst>
+                            <p:childTnLst>
+                              <p:par>
+                                <p:cTn id="10" presetID="10" presetClass="exit" presetSubtype="0" fill="hold" nodeType="clickEffect">
+                                  <p:stCondLst>
+                                    <p:cond delay="0"/>
+                                  </p:stCondLst>
+                                  <p:childTnLst>
+                                    <p:animEffect transition="out" filter="fade">
+                                      <p:cBhvr>
+                                        <p:cTn id="11" dur="500"/>
+                                        <p:tgtEl>
+                                          <p:spTgt spid="6"/>
+                                        </p:tgtEl>
+                                      </p:cBhvr>
+                                    </p:animEffect>
+                                    <p:set>
+                                      <p:cBhvr>
+                                        <p:cTn id="12" dur="1" fill="hold">
+                                          <p:stCondLst>
+                                            <p:cond delay="499"/>
+                                          </p:stCondLst>
+                                        </p:cTn>
+                                        <p:tgtEl>
+                                          <p:spTgt spid="6"/>
+                                        </p:tgtEl>
+                                        <p:attrNameLst>
+                                          <p:attrName>style.visibility</p:attrName>
+                                        </p:attrNameLst>
+                                      </p:cBhvr>
+                                      <p:to>
+                                        <p:strVal val="hidden"/>
+                                      </p:to>
+                                    </p:set>
+                                  </p:childTnLst>
+                                </p:cTn>
+                              </p:par>
+                            </p:childTnLst>
+                          </p:cTn>
+                        </p:par>
+                      </p:childTnLst>
+                    </p:cTn>
+                  </p:par>
+                </p:childTnLst>
+              </p:cTn>
+              <p:prevCondLst>
+                <p:cond evt="onPrev" delay="0">
+                  <p:tgtEl>
+                    <p:sldTgt/>
+                  </p:tgtEl>
+                </p:cond>
+              </p:prevCondLst>
+              <p:nextCondLst>
+                <p:cond evt="onNext" delay="0">
+                  <p:tgtEl>
+                    <p:sldTgt/>
+                  </p:tgtEl>
+                </p:cond>
+              </p:nextCondLst>
+            </p:seq>
+          </p:childTnLst>
+        </p:cTn>
+      </p:par>
+    </p:tnLst>
+  </p:timing>
+</p:sld>
+</file>
+
+<file path=ppt/slides/slide11.xml><?xml version="1.0" encoding="utf-8"?>
+<p:sld xmlns:a="http://schemas.openxmlformats.org/drawingml/2006/main" xmlns:r="http://schemas.openxmlformats.org/officeDocument/2006/relationships" xmlns:p="http://schemas.openxmlformats.org/presentationml/2006/main">
+  <p:cSld>
     <p:spTree>
       <p:nvGrpSpPr>
         <p:cNvPr id="1" name=""/>
@@ -15061,7 +16046,7 @@
         </p:spPr>
         <p:txBody>
           <a:bodyPr>
-            <a:normAutofit/>
+            <a:normAutofit lnSpcReduction="10000"/>
           </a:bodyPr>
           <a:lstStyle/>
           <a:p>
@@ -15118,6 +16103,13 @@
               <a:rPr lang="en-US" sz="2400" dirty="0"/>
               <a:t>Paste in the Shiny skeleton found here: </a:t>
             </a:r>
+            <a:r>
+              <a:rPr lang="en-US" sz="2400" dirty="0">
+                <a:hlinkClick r:id="rId2"/>
+              </a:rPr>
+              <a:t>https://github.com/htownsen/R_Shiny_Talk_4-9-19</a:t>
+            </a:r>
+            <a:endParaRPr lang="en-US" sz="2400" dirty="0"/>
           </a:p>
           <a:p>
             <a:pPr>
@@ -15191,7 +16183,7 @@
           <p:nvPr/>
         </p:nvPicPr>
         <p:blipFill>
-          <a:blip r:embed="rId2"/>
+          <a:blip r:embed="rId3"/>
           <a:stretch>
             <a:fillRect/>
           </a:stretch>
@@ -15230,7 +16222,7 @@
             <a:fld id="{D57F1E4F-1CFF-5643-939E-217C01CDF565}" type="slidenum">
               <a:rPr lang="en-US" smtClean="0"/>
               <a:pPr/>
-              <a:t>10</a:t>
+              <a:t>11</a:t>
             </a:fld>
             <a:endParaRPr lang="en-US" dirty="0"/>
           </a:p>
@@ -15249,7 +16241,7 @@
 </p:sld>
 </file>
 
-<file path=ppt/slides/slide11.xml><?xml version="1.0" encoding="utf-8"?>
+<file path=ppt/slides/slide12.xml><?xml version="1.0" encoding="utf-8"?>
 <p:sld xmlns:a="http://schemas.openxmlformats.org/drawingml/2006/main" xmlns:r="http://schemas.openxmlformats.org/officeDocument/2006/relationships" xmlns:p="http://schemas.openxmlformats.org/presentationml/2006/main">
   <p:cSld>
     <p:spTree>
@@ -15374,7 +16366,7 @@
             <a:fld id="{D57F1E4F-1CFF-5643-939E-217C01CDF565}" type="slidenum">
               <a:rPr lang="en-US" smtClean="0"/>
               <a:pPr/>
-              <a:t>11</a:t>
+              <a:t>12</a:t>
             </a:fld>
             <a:endParaRPr lang="en-US" dirty="0"/>
           </a:p>
@@ -15393,7 +16385,7 @@
 </p:sld>
 </file>
 
-<file path=ppt/slides/slide12.xml><?xml version="1.0" encoding="utf-8"?>
+<file path=ppt/slides/slide13.xml><?xml version="1.0" encoding="utf-8"?>
 <p:sld xmlns:a="http://schemas.openxmlformats.org/drawingml/2006/main" xmlns:r="http://schemas.openxmlformats.org/officeDocument/2006/relationships" xmlns:p="http://schemas.openxmlformats.org/presentationml/2006/main">
   <p:cSld>
     <p:spTree>
@@ -15606,7 +16598,7 @@
             <a:fld id="{D57F1E4F-1CFF-5643-939E-217C01CDF565}" type="slidenum">
               <a:rPr lang="en-US" smtClean="0"/>
               <a:pPr/>
-              <a:t>12</a:t>
+              <a:t>13</a:t>
             </a:fld>
             <a:endParaRPr lang="en-US" dirty="0"/>
           </a:p>
@@ -15625,7 +16617,7 @@
 </p:sld>
 </file>
 
-<file path=ppt/slides/slide13.xml><?xml version="1.0" encoding="utf-8"?>
+<file path=ppt/slides/slide14.xml><?xml version="1.0" encoding="utf-8"?>
 <p:sld xmlns:a="http://schemas.openxmlformats.org/drawingml/2006/main" xmlns:r="http://schemas.openxmlformats.org/officeDocument/2006/relationships" xmlns:p="http://schemas.openxmlformats.org/presentationml/2006/main">
   <p:cSld>
     <p:bg>
@@ -16795,7 +17787,7 @@
             <a:fld id="{D57F1E4F-1CFF-5643-939E-217C01CDF565}" type="slidenum">
               <a:rPr lang="en-US" smtClean="0"/>
               <a:pPr/>
-              <a:t>13</a:t>
+              <a:t>14</a:t>
             </a:fld>
             <a:endParaRPr lang="en-US" dirty="0"/>
           </a:p>
@@ -16935,6 +17927,12 @@
               <a:rPr lang="en-US" sz="2800" dirty="0"/>
               <a:t>Visit additional resources</a:t>
             </a:r>
+          </a:p>
+          <a:p>
+            <a:pPr marL="0" indent="0">
+              <a:buNone/>
+            </a:pPr>
+            <a:endParaRPr lang="en-US" sz="2800" dirty="0"/>
           </a:p>
         </p:txBody>
       </p:sp>
@@ -18607,6 +19605,315 @@
           <a:chExt cx="0" cy="0"/>
         </a:xfrm>
       </p:grpSpPr>
+      <p:sp>
+        <p:nvSpPr>
+          <p:cNvPr id="8" name="Rectangle 7">
+            <a:extLst>
+              <a:ext uri="{FF2B5EF4-FFF2-40B4-BE49-F238E27FC236}">
+                <a16:creationId xmlns:a16="http://schemas.microsoft.com/office/drawing/2014/main" id="{4F78DAAE-B0C3-49A3-8AB1-AD2FF0E3686F}"/>
+              </a:ext>
+              <a:ext uri="{C183D7F6-B498-43B3-948B-1728B52AA6E4}">
+                <adec:decorative xmlns:adec="http://schemas.microsoft.com/office/drawing/2017/decorative" val="1"/>
+              </a:ext>
+            </a:extLst>
+          </p:cNvPr>
+          <p:cNvSpPr>
+            <a:spLocks noGrp="1" noRot="1" noChangeAspect="1" noMove="1" noResize="1" noEditPoints="1" noAdjustHandles="1" noChangeArrowheads="1" noChangeShapeType="1" noTextEdit="1"/>
+          </p:cNvSpPr>
+          <p:nvPr>
+            <p:extLst>
+              <p:ext uri="{386F3935-93C4-4BCD-93E2-E3B085C9AB24}">
+                <p16:designElem xmlns:p16="http://schemas.microsoft.com/office/powerpoint/2015/main" val="1"/>
+              </p:ext>
+            </p:extLst>
+          </p:nvPr>
+        </p:nvSpPr>
+        <p:spPr>
+          <a:xfrm>
+            <a:off x="0" y="0"/>
+            <a:ext cx="12192000" cy="6858000"/>
+          </a:xfrm>
+          <a:prstGeom prst="rect">
+            <a:avLst/>
+          </a:prstGeom>
+          <a:blipFill>
+            <a:blip r:embed="rId2">
+              <a:duotone>
+                <a:schemeClr val="dk2">
+                  <a:shade val="69000"/>
+                  <a:hueMod val="91000"/>
+                  <a:satMod val="164000"/>
+                  <a:lumMod val="74000"/>
+                </a:schemeClr>
+                <a:schemeClr val="dk2">
+                  <a:hueMod val="124000"/>
+                  <a:satMod val="140000"/>
+                  <a:lumMod val="142000"/>
+                </a:schemeClr>
+              </a:duotone>
+            </a:blip>
+            <a:stretch>
+              <a:fillRect/>
+            </a:stretch>
+          </a:blipFill>
+          <a:ln>
+            <a:noFill/>
+          </a:ln>
+        </p:spPr>
+        <p:style>
+          <a:lnRef idx="2">
+            <a:schemeClr val="accent1">
+              <a:shade val="50000"/>
+            </a:schemeClr>
+          </a:lnRef>
+          <a:fillRef idx="1">
+            <a:schemeClr val="accent1"/>
+          </a:fillRef>
+          <a:effectRef idx="0">
+            <a:schemeClr val="accent1"/>
+          </a:effectRef>
+          <a:fontRef idx="minor">
+            <a:schemeClr val="lt1"/>
+          </a:fontRef>
+        </p:style>
+        <p:txBody>
+          <a:bodyPr/>
+          <a:lstStyle/>
+          <a:p>
+            <a:endParaRPr lang="en-US" dirty="0"/>
+          </a:p>
+        </p:txBody>
+      </p:sp>
+      <p:sp>
+        <p:nvSpPr>
+          <p:cNvPr id="10" name="Rectangle 9">
+            <a:extLst>
+              <a:ext uri="{FF2B5EF4-FFF2-40B4-BE49-F238E27FC236}">
+                <a16:creationId xmlns:a16="http://schemas.microsoft.com/office/drawing/2014/main" id="{F6A8A81D-3338-4B0F-A26F-A3D259D27681}"/>
+              </a:ext>
+              <a:ext uri="{C183D7F6-B498-43B3-948B-1728B52AA6E4}">
+                <adec:decorative xmlns:adec="http://schemas.microsoft.com/office/drawing/2017/decorative" val="1"/>
+              </a:ext>
+            </a:extLst>
+          </p:cNvPr>
+          <p:cNvSpPr>
+            <a:spLocks noGrp="1" noRot="1" noChangeAspect="1" noMove="1" noResize="1" noEditPoints="1" noAdjustHandles="1" noChangeArrowheads="1" noChangeShapeType="1" noTextEdit="1"/>
+          </p:cNvSpPr>
+          <p:nvPr>
+            <p:extLst>
+              <p:ext uri="{386F3935-93C4-4BCD-93E2-E3B085C9AB24}">
+                <p16:designElem xmlns:p16="http://schemas.microsoft.com/office/powerpoint/2015/main" val="1"/>
+              </p:ext>
+            </p:extLst>
+          </p:nvPr>
+        </p:nvSpPr>
+        <p:spPr>
+          <a:xfrm>
+            <a:off x="643466" y="801794"/>
+            <a:ext cx="11000237" cy="5248266"/>
+          </a:xfrm>
+          <a:prstGeom prst="rect">
+            <a:avLst/>
+          </a:prstGeom>
+          <a:solidFill>
+            <a:srgbClr val="FFFFFF"/>
+          </a:solidFill>
+          <a:ln>
+            <a:noFill/>
+          </a:ln>
+        </p:spPr>
+        <p:style>
+          <a:lnRef idx="2">
+            <a:schemeClr val="accent1">
+              <a:shade val="50000"/>
+            </a:schemeClr>
+          </a:lnRef>
+          <a:fillRef idx="1">
+            <a:schemeClr val="accent1"/>
+          </a:fillRef>
+          <a:effectRef idx="0">
+            <a:schemeClr val="accent1"/>
+          </a:effectRef>
+          <a:fontRef idx="minor">
+            <a:schemeClr val="lt1"/>
+          </a:fontRef>
+        </p:style>
+        <p:txBody>
+          <a:bodyPr rtlCol="0" anchor="ctr"/>
+          <a:lstStyle/>
+          <a:p>
+            <a:pPr algn="ctr"/>
+            <a:endParaRPr lang="en-US"/>
+          </a:p>
+        </p:txBody>
+      </p:sp>
+      <p:sp>
+        <p:nvSpPr>
+          <p:cNvPr id="12" name="Rectangle 11">
+            <a:extLst>
+              <a:ext uri="{FF2B5EF4-FFF2-40B4-BE49-F238E27FC236}">
+                <a16:creationId xmlns:a16="http://schemas.microsoft.com/office/drawing/2014/main" id="{40155665-7CE2-4939-AE5E-020DC1D20753}"/>
+              </a:ext>
+              <a:ext uri="{C183D7F6-B498-43B3-948B-1728B52AA6E4}">
+                <adec:decorative xmlns:adec="http://schemas.microsoft.com/office/drawing/2017/decorative" val="1"/>
+              </a:ext>
+            </a:extLst>
+          </p:cNvPr>
+          <p:cNvSpPr>
+            <a:spLocks noGrp="1" noRot="1" noChangeAspect="1" noMove="1" noResize="1" noEditPoints="1" noAdjustHandles="1" noChangeArrowheads="1" noChangeShapeType="1" noTextEdit="1"/>
+          </p:cNvSpPr>
+          <p:nvPr>
+            <p:extLst>
+              <p:ext uri="{386F3935-93C4-4BCD-93E2-E3B085C9AB24}">
+                <p16:designElem xmlns:p16="http://schemas.microsoft.com/office/powerpoint/2015/main" val="1"/>
+              </p:ext>
+            </p:extLst>
+          </p:nvPr>
+        </p:nvSpPr>
+        <p:spPr>
+          <a:xfrm>
+            <a:off x="10437812" y="0"/>
+            <a:ext cx="685800" cy="1143000"/>
+          </a:xfrm>
+          <a:prstGeom prst="rect">
+            <a:avLst/>
+          </a:prstGeom>
+          <a:solidFill>
+            <a:schemeClr val="accent1"/>
+          </a:solidFill>
+          <a:ln>
+            <a:noFill/>
+          </a:ln>
+        </p:spPr>
+        <p:style>
+          <a:lnRef idx="1">
+            <a:schemeClr val="accent1"/>
+          </a:lnRef>
+          <a:fillRef idx="3">
+            <a:schemeClr val="accent1"/>
+          </a:fillRef>
+          <a:effectRef idx="2">
+            <a:schemeClr val="accent1"/>
+          </a:effectRef>
+          <a:fontRef idx="minor">
+            <a:schemeClr val="lt1"/>
+          </a:fontRef>
+        </p:style>
+      </p:sp>
+      <p:sp>
+        <p:nvSpPr>
+          <p:cNvPr id="2" name="Slide Number Placeholder 1">
+            <a:extLst>
+              <a:ext uri="{FF2B5EF4-FFF2-40B4-BE49-F238E27FC236}">
+                <a16:creationId xmlns:a16="http://schemas.microsoft.com/office/drawing/2014/main" id="{FDC1861B-E6F6-4972-A8FD-1550CB0F1BD7}"/>
+              </a:ext>
+            </a:extLst>
+          </p:cNvPr>
+          <p:cNvSpPr>
+            <a:spLocks noGrp="1"/>
+          </p:cNvSpPr>
+          <p:nvPr>
+            <p:ph type="sldNum" sz="quarter" idx="12"/>
+          </p:nvPr>
+        </p:nvSpPr>
+        <p:spPr>
+          <a:xfrm>
+            <a:off x="10352540" y="295729"/>
+            <a:ext cx="838199" cy="767687"/>
+          </a:xfrm>
+        </p:spPr>
+        <p:txBody>
+          <a:bodyPr>
+            <a:normAutofit/>
+          </a:bodyPr>
+          <a:lstStyle/>
+          <a:p>
+            <a:pPr>
+              <a:spcAft>
+                <a:spcPts val="600"/>
+              </a:spcAft>
+            </a:pPr>
+            <a:fld id="{D57F1E4F-1CFF-5643-939E-217C01CDF565}" type="slidenum">
+              <a:rPr lang="en-US" smtClean="0"/>
+              <a:pPr>
+                <a:spcAft>
+                  <a:spcPts val="600"/>
+                </a:spcAft>
+              </a:pPr>
+              <a:t>6</a:t>
+            </a:fld>
+            <a:endParaRPr lang="en-US"/>
+          </a:p>
+        </p:txBody>
+      </p:sp>
+      <p:pic>
+        <p:nvPicPr>
+          <p:cNvPr id="3" name="Picture 2" descr="A screenshot of a cell phone&#10;&#10;Description automatically generated">
+            <a:extLst>
+              <a:ext uri="{FF2B5EF4-FFF2-40B4-BE49-F238E27FC236}">
+                <a16:creationId xmlns:a16="http://schemas.microsoft.com/office/drawing/2014/main" id="{0C38FD87-8F14-4BFA-B1FC-A43C14E4207E}"/>
+              </a:ext>
+            </a:extLst>
+          </p:cNvPr>
+          <p:cNvPicPr>
+            <a:picLocks noChangeAspect="1"/>
+          </p:cNvPicPr>
+          <p:nvPr/>
+        </p:nvPicPr>
+        <p:blipFill>
+          <a:blip r:embed="rId3"/>
+          <a:stretch>
+            <a:fillRect/>
+          </a:stretch>
+        </p:blipFill>
+        <p:spPr>
+          <a:xfrm>
+            <a:off x="1126066" y="1444007"/>
+            <a:ext cx="10035037" cy="3963839"/>
+          </a:xfrm>
+          <a:prstGeom prst="rect">
+            <a:avLst/>
+          </a:prstGeom>
+        </p:spPr>
+      </p:pic>
+    </p:spTree>
+    <p:extLst>
+      <p:ext uri="{BB962C8B-B14F-4D97-AF65-F5344CB8AC3E}">
+        <p14:creationId xmlns:p14="http://schemas.microsoft.com/office/powerpoint/2010/main" val="413760052"/>
+      </p:ext>
+    </p:extLst>
+  </p:cSld>
+  <p:clrMapOvr>
+    <a:masterClrMapping/>
+  </p:clrMapOvr>
+</p:sld>
+</file>
+
+<file path=ppt/slides/slide7.xml><?xml version="1.0" encoding="utf-8"?>
+<p:sld xmlns:a="http://schemas.openxmlformats.org/drawingml/2006/main" xmlns:r="http://schemas.openxmlformats.org/officeDocument/2006/relationships" xmlns:p="http://schemas.openxmlformats.org/presentationml/2006/main">
+  <p:cSld>
+    <p:bg>
+      <p:bgPr>
+        <a:solidFill>
+          <a:schemeClr val="bg1"/>
+        </a:solidFill>
+        <a:effectLst/>
+      </p:bgPr>
+    </p:bg>
+    <p:spTree>
+      <p:nvGrpSpPr>
+        <p:cNvPr id="1" name=""/>
+        <p:cNvGrpSpPr/>
+        <p:nvPr/>
+      </p:nvGrpSpPr>
+      <p:grpSpPr>
+        <a:xfrm>
+          <a:off x="0" y="0"/>
+          <a:ext cx="0" cy="0"/>
+          <a:chOff x="0" y="0"/>
+          <a:chExt cx="0" cy="0"/>
+        </a:xfrm>
+      </p:grpSpPr>
       <p:grpSp>
         <p:nvGrpSpPr>
           <p:cNvPr id="12" name="Group 11">
@@ -19794,7 +21101,7 @@
             <a:fld id="{D57F1E4F-1CFF-5643-939E-217C01CDF565}" type="slidenum">
               <a:rPr lang="en-US" smtClean="0"/>
               <a:pPr/>
-              <a:t>6</a:t>
+              <a:t>7</a:t>
             </a:fld>
             <a:endParaRPr lang="en-US" dirty="0"/>
           </a:p>
@@ -19843,7 +21150,7 @@
 </p:sld>
 </file>
 
-<file path=ppt/slides/slide7.xml><?xml version="1.0" encoding="utf-8"?>
+<file path=ppt/slides/slide8.xml><?xml version="1.0" encoding="utf-8"?>
 <p:sld xmlns:a="http://schemas.openxmlformats.org/drawingml/2006/main" xmlns:r="http://schemas.openxmlformats.org/officeDocument/2006/relationships" xmlns:p="http://schemas.openxmlformats.org/presentationml/2006/main">
   <p:cSld>
     <p:bg>
@@ -21055,7 +22362,7 @@
             <a:fld id="{D57F1E4F-1CFF-5643-939E-217C01CDF565}" type="slidenum">
               <a:rPr lang="en-US" smtClean="0"/>
               <a:pPr/>
-              <a:t>7</a:t>
+              <a:t>8</a:t>
             </a:fld>
             <a:endParaRPr lang="en-US" dirty="0"/>
           </a:p>
@@ -21074,7 +22381,7 @@
 </p:sld>
 </file>
 
-<file path=ppt/slides/slide8.xml><?xml version="1.0" encoding="utf-8"?>
+<file path=ppt/slides/slide9.xml><?xml version="1.0" encoding="utf-8"?>
 <p:sld xmlns:a="http://schemas.openxmlformats.org/drawingml/2006/main" xmlns:r="http://schemas.openxmlformats.org/officeDocument/2006/relationships" xmlns:p="http://schemas.openxmlformats.org/presentationml/2006/main">
   <p:cSld>
     <p:bg>
@@ -22263,7 +23570,7 @@
             <a:fld id="{D57F1E4F-1CFF-5643-939E-217C01CDF565}" type="slidenum">
               <a:rPr lang="en-US" smtClean="0"/>
               <a:pPr/>
-              <a:t>8</a:t>
+              <a:t>9</a:t>
             </a:fld>
             <a:endParaRPr lang="en-US" dirty="0"/>
           </a:p>
@@ -22299,6 +23606,53 @@
           </a:prstGeom>
         </p:spPr>
       </p:pic>
+      <p:sp>
+        <p:nvSpPr>
+          <p:cNvPr id="3" name="Oval 2">
+            <a:extLst>
+              <a:ext uri="{FF2B5EF4-FFF2-40B4-BE49-F238E27FC236}">
+                <a16:creationId xmlns:a16="http://schemas.microsoft.com/office/drawing/2014/main" id="{35FE22B6-1ABD-4EB3-8619-5FBBB0861644}"/>
+              </a:ext>
+            </a:extLst>
+          </p:cNvPr>
+          <p:cNvSpPr/>
+          <p:nvPr/>
+        </p:nvSpPr>
+        <p:spPr>
+          <a:xfrm>
+            <a:off x="8086725" y="2660346"/>
+            <a:ext cx="1254558" cy="345235"/>
+          </a:xfrm>
+          <a:prstGeom prst="ellipse">
+            <a:avLst/>
+          </a:prstGeom>
+          <a:noFill/>
+        </p:spPr>
+        <p:style>
+          <a:lnRef idx="2">
+            <a:schemeClr val="accent1">
+              <a:shade val="50000"/>
+            </a:schemeClr>
+          </a:lnRef>
+          <a:fillRef idx="1">
+            <a:schemeClr val="accent1"/>
+          </a:fillRef>
+          <a:effectRef idx="0">
+            <a:schemeClr val="accent1"/>
+          </a:effectRef>
+          <a:fontRef idx="minor">
+            <a:schemeClr val="lt1"/>
+          </a:fontRef>
+        </p:style>
+        <p:txBody>
+          <a:bodyPr rtlCol="0" anchor="ctr"/>
+          <a:lstStyle/>
+          <a:p>
+            <a:pPr algn="ctr"/>
+            <a:endParaRPr lang="en-US"/>
+          </a:p>
+        </p:txBody>
+      </p:sp>
     </p:spTree>
     <p:extLst>
       <p:ext uri="{BB962C8B-B14F-4D97-AF65-F5344CB8AC3E}">
@@ -22370,937 +23724,6 @@
                       </p:childTnLst>
                     </p:cTn>
                   </p:par>
-                </p:childTnLst>
-              </p:cTn>
-              <p:prevCondLst>
-                <p:cond evt="onPrev" delay="0">
-                  <p:tgtEl>
-                    <p:sldTgt/>
-                  </p:tgtEl>
-                </p:cond>
-              </p:prevCondLst>
-              <p:nextCondLst>
-                <p:cond evt="onNext" delay="0">
-                  <p:tgtEl>
-                    <p:sldTgt/>
-                  </p:tgtEl>
-                </p:cond>
-              </p:nextCondLst>
-            </p:seq>
-          </p:childTnLst>
-        </p:cTn>
-      </p:par>
-    </p:tnLst>
-  </p:timing>
-</p:sld>
-</file>
-
-<file path=ppt/slides/slide9.xml><?xml version="1.0" encoding="utf-8"?>
-<p:sld xmlns:a="http://schemas.openxmlformats.org/drawingml/2006/main" xmlns:r="http://schemas.openxmlformats.org/officeDocument/2006/relationships" xmlns:p="http://schemas.openxmlformats.org/presentationml/2006/main">
-  <p:cSld>
-    <p:bg>
-      <p:bgPr>
-        <a:solidFill>
-          <a:schemeClr val="bg1"/>
-        </a:solidFill>
-        <a:effectLst/>
-      </p:bgPr>
-    </p:bg>
-    <p:spTree>
-      <p:nvGrpSpPr>
-        <p:cNvPr id="1" name=""/>
-        <p:cNvGrpSpPr/>
-        <p:nvPr/>
-      </p:nvGrpSpPr>
-      <p:grpSpPr>
-        <a:xfrm>
-          <a:off x="0" y="0"/>
-          <a:ext cx="0" cy="0"/>
-          <a:chOff x="0" y="0"/>
-          <a:chExt cx="0" cy="0"/>
-        </a:xfrm>
-      </p:grpSpPr>
-      <p:grpSp>
-        <p:nvGrpSpPr>
-          <p:cNvPr id="26" name="Group 25">
-            <a:extLst>
-              <a:ext uri="{FF2B5EF4-FFF2-40B4-BE49-F238E27FC236}">
-                <a16:creationId xmlns:a16="http://schemas.microsoft.com/office/drawing/2014/main" id="{5A992EA8-A2AE-480C-BFF9-7B134643975C}"/>
-              </a:ext>
-              <a:ext uri="{C183D7F6-B498-43B3-948B-1728B52AA6E4}">
-                <adec:decorative xmlns:adec="http://schemas.microsoft.com/office/drawing/2017/decorative" val="1"/>
-              </a:ext>
-            </a:extLst>
-          </p:cNvPr>
-          <p:cNvGrpSpPr>
-            <a:grpSpLocks noGrp="1" noUngrp="1" noRot="1" noChangeAspect="1" noMove="1" noResize="1"/>
-          </p:cNvGrpSpPr>
-          <p:nvPr>
-            <p:extLst>
-              <p:ext uri="{386F3935-93C4-4BCD-93E2-E3B085C9AB24}">
-                <p16:designElem xmlns:p16="http://schemas.microsoft.com/office/powerpoint/2015/main" val="1"/>
-              </p:ext>
-            </p:extLst>
-          </p:nvPr>
-        </p:nvGrpSpPr>
-        <p:grpSpPr>
-          <a:xfrm>
-            <a:off x="0" y="-2373"/>
-            <a:ext cx="12192000" cy="6867027"/>
-            <a:chOff x="0" y="-2373"/>
-            <a:chExt cx="12192000" cy="6867027"/>
-          </a:xfrm>
-        </p:grpSpPr>
-        <p:sp>
-          <p:nvSpPr>
-            <p:cNvPr id="27" name="Rectangle 26">
-              <a:extLst>
-                <a:ext uri="{FF2B5EF4-FFF2-40B4-BE49-F238E27FC236}">
-                  <a16:creationId xmlns:a16="http://schemas.microsoft.com/office/drawing/2014/main" id="{0F6F97DA-7406-453D-9AB4-28B0891BBFF4}"/>
-                </a:ext>
-                <a:ext uri="{C183D7F6-B498-43B3-948B-1728B52AA6E4}">
-                  <adec:decorative xmlns:adec="http://schemas.microsoft.com/office/drawing/2017/decorative" val="1"/>
-                </a:ext>
-              </a:extLst>
-            </p:cNvPr>
-            <p:cNvSpPr/>
-            <p:nvPr>
-              <p:extLst>
-                <p:ext uri="{386F3935-93C4-4BCD-93E2-E3B085C9AB24}">
-                  <p16:designElem xmlns:p16="http://schemas.microsoft.com/office/powerpoint/2015/main" val="1"/>
-                </p:ext>
-              </p:extLst>
-            </p:nvPr>
-          </p:nvSpPr>
-          <p:spPr>
-            <a:xfrm>
-              <a:off x="0" y="0"/>
-              <a:ext cx="12192000" cy="6858000"/>
-            </a:xfrm>
-            <a:prstGeom prst="rect">
-              <a:avLst/>
-            </a:prstGeom>
-            <a:blipFill>
-              <a:blip r:embed="rId3">
-                <a:duotone>
-                  <a:schemeClr val="dk2">
-                    <a:shade val="62000"/>
-                    <a:hueMod val="108000"/>
-                    <a:satMod val="164000"/>
-                    <a:lumMod val="69000"/>
-                  </a:schemeClr>
-                  <a:schemeClr val="dk2">
-                    <a:tint val="96000"/>
-                    <a:hueMod val="90000"/>
-                    <a:satMod val="130000"/>
-                    <a:lumMod val="134000"/>
-                  </a:schemeClr>
-                </a:duotone>
-              </a:blip>
-              <a:stretch>
-                <a:fillRect/>
-              </a:stretch>
-            </a:blipFill>
-            <a:ln>
-              <a:noFill/>
-            </a:ln>
-          </p:spPr>
-          <p:style>
-            <a:lnRef idx="2">
-              <a:schemeClr val="accent1">
-                <a:shade val="50000"/>
-              </a:schemeClr>
-            </a:lnRef>
-            <a:fillRef idx="1">
-              <a:schemeClr val="accent1"/>
-            </a:fillRef>
-            <a:effectRef idx="0">
-              <a:schemeClr val="accent1"/>
-            </a:effectRef>
-            <a:fontRef idx="minor">
-              <a:schemeClr val="lt1"/>
-            </a:fontRef>
-          </p:style>
-        </p:sp>
-        <p:sp>
-          <p:nvSpPr>
-            <p:cNvPr id="28" name="Oval 27">
-              <a:extLst>
-                <a:ext uri="{FF2B5EF4-FFF2-40B4-BE49-F238E27FC236}">
-                  <a16:creationId xmlns:a16="http://schemas.microsoft.com/office/drawing/2014/main" id="{31D171A9-30C8-4156-8EAF-50888EBE77EC}"/>
-                </a:ext>
-                <a:ext uri="{C183D7F6-B498-43B3-948B-1728B52AA6E4}">
-                  <adec:decorative xmlns:adec="http://schemas.microsoft.com/office/drawing/2017/decorative" val="1"/>
-                </a:ext>
-              </a:extLst>
-            </p:cNvPr>
-            <p:cNvSpPr/>
-            <p:nvPr>
-              <p:extLst>
-                <p:ext uri="{386F3935-93C4-4BCD-93E2-E3B085C9AB24}">
-                  <p16:designElem xmlns:p16="http://schemas.microsoft.com/office/powerpoint/2015/main" val="1"/>
-                </p:ext>
-              </p:extLst>
-            </p:nvPr>
-          </p:nvSpPr>
-          <p:spPr>
-            <a:xfrm>
-              <a:off x="3220" y="2667000"/>
-              <a:ext cx="4191000" cy="4191000"/>
-            </a:xfrm>
-            <a:prstGeom prst="ellipse">
-              <a:avLst/>
-            </a:prstGeom>
-            <a:gradFill flip="none" rotWithShape="1">
-              <a:gsLst>
-                <a:gs pos="0">
-                  <a:schemeClr val="bg2">
-                    <a:lumMod val="40000"/>
-                    <a:lumOff val="60000"/>
-                    <a:alpha val="11000"/>
-                  </a:schemeClr>
-                </a:gs>
-                <a:gs pos="75000">
-                  <a:schemeClr val="bg2">
-                    <a:lumMod val="40000"/>
-                    <a:lumOff val="60000"/>
-                    <a:alpha val="0"/>
-                  </a:schemeClr>
-                </a:gs>
-                <a:gs pos="36000">
-                  <a:schemeClr val="bg2">
-                    <a:lumMod val="40000"/>
-                    <a:lumOff val="60000"/>
-                    <a:alpha val="10000"/>
-                  </a:schemeClr>
-                </a:gs>
-              </a:gsLst>
-              <a:path path="circle">
-                <a:fillToRect l="50000" t="50000" r="50000" b="50000"/>
-              </a:path>
-              <a:tileRect/>
-            </a:gradFill>
-            <a:ln>
-              <a:noFill/>
-            </a:ln>
-            <a:effectLst/>
-          </p:spPr>
-          <p:style>
-            <a:lnRef idx="1">
-              <a:schemeClr val="accent1"/>
-            </a:lnRef>
-            <a:fillRef idx="3">
-              <a:schemeClr val="accent1"/>
-            </a:fillRef>
-            <a:effectRef idx="2">
-              <a:schemeClr val="accent1"/>
-            </a:effectRef>
-            <a:fontRef idx="minor">
-              <a:schemeClr val="lt1"/>
-            </a:fontRef>
-          </p:style>
-        </p:sp>
-        <p:sp>
-          <p:nvSpPr>
-            <p:cNvPr id="29" name="Oval 28">
-              <a:extLst>
-                <a:ext uri="{FF2B5EF4-FFF2-40B4-BE49-F238E27FC236}">
-                  <a16:creationId xmlns:a16="http://schemas.microsoft.com/office/drawing/2014/main" id="{C52A6C74-8DC4-4902-962C-0DAFD7F9B5E3}"/>
-                </a:ext>
-                <a:ext uri="{C183D7F6-B498-43B3-948B-1728B52AA6E4}">
-                  <adec:decorative xmlns:adec="http://schemas.microsoft.com/office/drawing/2017/decorative" val="1"/>
-                </a:ext>
-              </a:extLst>
-            </p:cNvPr>
-            <p:cNvSpPr/>
-            <p:nvPr>
-              <p:extLst>
-                <p:ext uri="{386F3935-93C4-4BCD-93E2-E3B085C9AB24}">
-                  <p16:designElem xmlns:p16="http://schemas.microsoft.com/office/powerpoint/2015/main" val="1"/>
-                </p:ext>
-              </p:extLst>
-            </p:nvPr>
-          </p:nvSpPr>
-          <p:spPr>
-            <a:xfrm>
-              <a:off x="1750" y="2895600"/>
-              <a:ext cx="2362200" cy="2362200"/>
-            </a:xfrm>
-            <a:prstGeom prst="ellipse">
-              <a:avLst/>
-            </a:prstGeom>
-            <a:gradFill flip="none" rotWithShape="1">
-              <a:gsLst>
-                <a:gs pos="0">
-                  <a:schemeClr val="bg2">
-                    <a:lumMod val="40000"/>
-                    <a:lumOff val="60000"/>
-                    <a:alpha val="8000"/>
-                  </a:schemeClr>
-                </a:gs>
-                <a:gs pos="72000">
-                  <a:schemeClr val="bg2">
-                    <a:lumMod val="40000"/>
-                    <a:lumOff val="60000"/>
-                    <a:alpha val="0"/>
-                  </a:schemeClr>
-                </a:gs>
-                <a:gs pos="36000">
-                  <a:schemeClr val="bg2">
-                    <a:lumMod val="40000"/>
-                    <a:lumOff val="60000"/>
-                    <a:alpha val="8000"/>
-                  </a:schemeClr>
-                </a:gs>
-              </a:gsLst>
-              <a:path path="circle">
-                <a:fillToRect l="50000" t="50000" r="50000" b="50000"/>
-              </a:path>
-              <a:tileRect/>
-            </a:gradFill>
-            <a:ln>
-              <a:noFill/>
-            </a:ln>
-            <a:effectLst/>
-          </p:spPr>
-          <p:style>
-            <a:lnRef idx="1">
-              <a:schemeClr val="accent1"/>
-            </a:lnRef>
-            <a:fillRef idx="3">
-              <a:schemeClr val="accent1"/>
-            </a:fillRef>
-            <a:effectRef idx="2">
-              <a:schemeClr val="accent1"/>
-            </a:effectRef>
-            <a:fontRef idx="minor">
-              <a:schemeClr val="lt1"/>
-            </a:fontRef>
-          </p:style>
-        </p:sp>
-        <p:sp>
-          <p:nvSpPr>
-            <p:cNvPr id="30" name="Oval 29">
-              <a:extLst>
-                <a:ext uri="{FF2B5EF4-FFF2-40B4-BE49-F238E27FC236}">
-                  <a16:creationId xmlns:a16="http://schemas.microsoft.com/office/drawing/2014/main" id="{D34C65DE-5132-426E-9E92-81CB9EFF8941}"/>
-                </a:ext>
-                <a:ext uri="{C183D7F6-B498-43B3-948B-1728B52AA6E4}">
-                  <adec:decorative xmlns:adec="http://schemas.microsoft.com/office/drawing/2017/decorative" val="1"/>
-                </a:ext>
-              </a:extLst>
-            </p:cNvPr>
-            <p:cNvSpPr/>
-            <p:nvPr>
-              <p:extLst>
-                <p:ext uri="{386F3935-93C4-4BCD-93E2-E3B085C9AB24}">
-                  <p16:designElem xmlns:p16="http://schemas.microsoft.com/office/powerpoint/2015/main" val="1"/>
-                </p:ext>
-              </p:extLst>
-            </p:nvPr>
-          </p:nvSpPr>
-          <p:spPr>
-            <a:xfrm>
-              <a:off x="8609012" y="1676400"/>
-              <a:ext cx="2819400" cy="2819400"/>
-            </a:xfrm>
-            <a:prstGeom prst="ellipse">
-              <a:avLst/>
-            </a:prstGeom>
-            <a:gradFill flip="none" rotWithShape="1">
-              <a:gsLst>
-                <a:gs pos="0">
-                  <a:schemeClr val="bg2">
-                    <a:lumMod val="40000"/>
-                    <a:lumOff val="60000"/>
-                    <a:alpha val="7000"/>
-                  </a:schemeClr>
-                </a:gs>
-                <a:gs pos="69000">
-                  <a:schemeClr val="bg2">
-                    <a:lumMod val="40000"/>
-                    <a:lumOff val="60000"/>
-                    <a:alpha val="0"/>
-                  </a:schemeClr>
-                </a:gs>
-                <a:gs pos="36000">
-                  <a:schemeClr val="bg2">
-                    <a:lumMod val="40000"/>
-                    <a:lumOff val="60000"/>
-                    <a:alpha val="6000"/>
-                  </a:schemeClr>
-                </a:gs>
-              </a:gsLst>
-              <a:path path="circle">
-                <a:fillToRect l="50000" t="50000" r="50000" b="50000"/>
-              </a:path>
-              <a:tileRect/>
-            </a:gradFill>
-            <a:ln>
-              <a:noFill/>
-            </a:ln>
-            <a:effectLst/>
-          </p:spPr>
-          <p:style>
-            <a:lnRef idx="1">
-              <a:schemeClr val="accent1"/>
-            </a:lnRef>
-            <a:fillRef idx="3">
-              <a:schemeClr val="accent1"/>
-            </a:fillRef>
-            <a:effectRef idx="2">
-              <a:schemeClr val="accent1"/>
-            </a:effectRef>
-            <a:fontRef idx="minor">
-              <a:schemeClr val="lt1"/>
-            </a:fontRef>
-          </p:style>
-        </p:sp>
-        <p:sp>
-          <p:nvSpPr>
-            <p:cNvPr id="31" name="Oval 30">
-              <a:extLst>
-                <a:ext uri="{FF2B5EF4-FFF2-40B4-BE49-F238E27FC236}">
-                  <a16:creationId xmlns:a16="http://schemas.microsoft.com/office/drawing/2014/main" id="{463FE9C4-150E-4C97-A21E-53B7CD261A14}"/>
-                </a:ext>
-                <a:ext uri="{C183D7F6-B498-43B3-948B-1728B52AA6E4}">
-                  <adec:decorative xmlns:adec="http://schemas.microsoft.com/office/drawing/2017/decorative" val="1"/>
-                </a:ext>
-              </a:extLst>
-            </p:cNvPr>
-            <p:cNvSpPr/>
-            <p:nvPr>
-              <p:extLst>
-                <p:ext uri="{386F3935-93C4-4BCD-93E2-E3B085C9AB24}">
-                  <p16:designElem xmlns:p16="http://schemas.microsoft.com/office/powerpoint/2015/main" val="1"/>
-                </p:ext>
-              </p:extLst>
-            </p:nvPr>
-          </p:nvSpPr>
-          <p:spPr>
-            <a:xfrm>
-              <a:off x="7999412" y="-2373"/>
-              <a:ext cx="1600200" cy="1600200"/>
-            </a:xfrm>
-            <a:prstGeom prst="ellipse">
-              <a:avLst/>
-            </a:prstGeom>
-            <a:gradFill flip="none" rotWithShape="1">
-              <a:gsLst>
-                <a:gs pos="0">
-                  <a:schemeClr val="bg2">
-                    <a:lumMod val="40000"/>
-                    <a:lumOff val="60000"/>
-                    <a:alpha val="14000"/>
-                  </a:schemeClr>
-                </a:gs>
-                <a:gs pos="73000">
-                  <a:schemeClr val="bg2">
-                    <a:lumMod val="40000"/>
-                    <a:lumOff val="60000"/>
-                    <a:alpha val="0"/>
-                  </a:schemeClr>
-                </a:gs>
-                <a:gs pos="36000">
-                  <a:schemeClr val="bg2">
-                    <a:lumMod val="40000"/>
-                    <a:lumOff val="60000"/>
-                    <a:alpha val="7000"/>
-                  </a:schemeClr>
-                </a:gs>
-              </a:gsLst>
-              <a:path path="circle">
-                <a:fillToRect l="50000" t="50000" r="50000" b="50000"/>
-              </a:path>
-              <a:tileRect/>
-            </a:gradFill>
-            <a:ln>
-              <a:noFill/>
-            </a:ln>
-            <a:effectLst/>
-          </p:spPr>
-          <p:style>
-            <a:lnRef idx="1">
-              <a:schemeClr val="accent1"/>
-            </a:lnRef>
-            <a:fillRef idx="3">
-              <a:schemeClr val="accent1"/>
-            </a:fillRef>
-            <a:effectRef idx="2">
-              <a:schemeClr val="accent1"/>
-            </a:effectRef>
-            <a:fontRef idx="minor">
-              <a:schemeClr val="lt1"/>
-            </a:fontRef>
-          </p:style>
-        </p:sp>
-        <p:sp>
-          <p:nvSpPr>
-            <p:cNvPr id="32" name="Oval 31">
-              <a:extLst>
-                <a:ext uri="{FF2B5EF4-FFF2-40B4-BE49-F238E27FC236}">
-                  <a16:creationId xmlns:a16="http://schemas.microsoft.com/office/drawing/2014/main" id="{F4DD7FA2-5B3A-4DD2-BA1A-735CC86BAA06}"/>
-                </a:ext>
-                <a:ext uri="{C183D7F6-B498-43B3-948B-1728B52AA6E4}">
-                  <adec:decorative xmlns:adec="http://schemas.microsoft.com/office/drawing/2017/decorative" val="1"/>
-                </a:ext>
-              </a:extLst>
-            </p:cNvPr>
-            <p:cNvSpPr/>
-            <p:nvPr>
-              <p:extLst>
-                <p:ext uri="{386F3935-93C4-4BCD-93E2-E3B085C9AB24}">
-                  <p16:designElem xmlns:p16="http://schemas.microsoft.com/office/powerpoint/2015/main" val="1"/>
-                </p:ext>
-              </p:extLst>
-            </p:nvPr>
-          </p:nvSpPr>
-          <p:spPr>
-            <a:xfrm>
-              <a:off x="8609012" y="5874054"/>
-              <a:ext cx="990600" cy="990600"/>
-            </a:xfrm>
-            <a:prstGeom prst="ellipse">
-              <a:avLst/>
-            </a:prstGeom>
-            <a:gradFill flip="none" rotWithShape="1">
-              <a:gsLst>
-                <a:gs pos="0">
-                  <a:schemeClr val="bg2">
-                    <a:lumMod val="40000"/>
-                    <a:lumOff val="60000"/>
-                    <a:alpha val="14000"/>
-                  </a:schemeClr>
-                </a:gs>
-                <a:gs pos="66000">
-                  <a:schemeClr val="bg2">
-                    <a:lumMod val="40000"/>
-                    <a:lumOff val="60000"/>
-                    <a:alpha val="0"/>
-                  </a:schemeClr>
-                </a:gs>
-                <a:gs pos="36000">
-                  <a:schemeClr val="bg2">
-                    <a:lumMod val="40000"/>
-                    <a:lumOff val="60000"/>
-                    <a:alpha val="7000"/>
-                  </a:schemeClr>
-                </a:gs>
-              </a:gsLst>
-              <a:path path="circle">
-                <a:fillToRect l="50000" t="50000" r="50000" b="50000"/>
-              </a:path>
-              <a:tileRect/>
-            </a:gradFill>
-            <a:ln>
-              <a:noFill/>
-            </a:ln>
-            <a:effectLst/>
-          </p:spPr>
-          <p:style>
-            <a:lnRef idx="1">
-              <a:schemeClr val="accent1"/>
-            </a:lnRef>
-            <a:fillRef idx="3">
-              <a:schemeClr val="accent1"/>
-            </a:fillRef>
-            <a:effectRef idx="2">
-              <a:schemeClr val="accent1"/>
-            </a:effectRef>
-            <a:fontRef idx="minor">
-              <a:schemeClr val="lt1"/>
-            </a:fontRef>
-          </p:style>
-        </p:sp>
-        <p:sp>
-          <p:nvSpPr>
-            <p:cNvPr id="33" name="Freeform 5">
-              <a:extLst>
-                <a:ext uri="{FF2B5EF4-FFF2-40B4-BE49-F238E27FC236}">
-                  <a16:creationId xmlns:a16="http://schemas.microsoft.com/office/drawing/2014/main" id="{B11D6824-D097-439B-9956-5436E5111A9B}"/>
-                </a:ext>
-                <a:ext uri="{C183D7F6-B498-43B3-948B-1728B52AA6E4}">
-                  <adec:decorative xmlns:adec="http://schemas.microsoft.com/office/drawing/2017/decorative" val="1"/>
-                </a:ext>
-              </a:extLst>
-            </p:cNvPr>
-            <p:cNvSpPr>
-              <a:spLocks noEditPoints="1"/>
-            </p:cNvSpPr>
-            <p:nvPr>
-              <p:extLst>
-                <p:ext uri="{386F3935-93C4-4BCD-93E2-E3B085C9AB24}">
-                  <p16:designElem xmlns:p16="http://schemas.microsoft.com/office/powerpoint/2015/main" val="1"/>
-                </p:ext>
-              </p:extLst>
-            </p:nvPr>
-          </p:nvSpPr>
-          <p:spPr bwMode="gray">
-            <a:xfrm>
-              <a:off x="0" y="1587"/>
-              <a:ext cx="12192000" cy="6856413"/>
-            </a:xfrm>
-            <a:custGeom>
-              <a:avLst/>
-              <a:gdLst/>
-              <a:ahLst/>
-              <a:cxnLst/>
-              <a:rect l="0" t="0" r="r" b="b"/>
-              <a:pathLst>
-                <a:path w="15356" h="8638">
-                  <a:moveTo>
-                    <a:pt x="0" y="0"/>
-                  </a:moveTo>
-                  <a:lnTo>
-                    <a:pt x="0" y="8638"/>
-                  </a:lnTo>
-                  <a:lnTo>
-                    <a:pt x="15356" y="8638"/>
-                  </a:lnTo>
-                  <a:lnTo>
-                    <a:pt x="15356" y="0"/>
-                  </a:lnTo>
-                  <a:lnTo>
-                    <a:pt x="0" y="0"/>
-                  </a:lnTo>
-                  <a:close/>
-                  <a:moveTo>
-                    <a:pt x="14748" y="8038"/>
-                  </a:moveTo>
-                  <a:lnTo>
-                    <a:pt x="600" y="8038"/>
-                  </a:lnTo>
-                  <a:lnTo>
-                    <a:pt x="600" y="592"/>
-                  </a:lnTo>
-                  <a:lnTo>
-                    <a:pt x="14748" y="592"/>
-                  </a:lnTo>
-                  <a:lnTo>
-                    <a:pt x="14748" y="8038"/>
-                  </a:lnTo>
-                  <a:close/>
-                </a:path>
-              </a:pathLst>
-            </a:custGeom>
-            <a:solidFill>
-              <a:schemeClr val="bg1"/>
-            </a:solidFill>
-            <a:ln>
-              <a:noFill/>
-            </a:ln>
-          </p:spPr>
-        </p:sp>
-      </p:grpSp>
-      <p:sp>
-        <p:nvSpPr>
-          <p:cNvPr id="35" name="Rectangle 34">
-            <a:extLst>
-              <a:ext uri="{FF2B5EF4-FFF2-40B4-BE49-F238E27FC236}">
-                <a16:creationId xmlns:a16="http://schemas.microsoft.com/office/drawing/2014/main" id="{5669AB50-4CAD-4D10-A09A-A0C01AF9E6F6}"/>
-              </a:ext>
-              <a:ext uri="{C183D7F6-B498-43B3-948B-1728B52AA6E4}">
-                <adec:decorative xmlns:adec="http://schemas.microsoft.com/office/drawing/2017/decorative" val="1"/>
-              </a:ext>
-            </a:extLst>
-          </p:cNvPr>
-          <p:cNvSpPr>
-            <a:spLocks noGrp="1" noRot="1" noChangeAspect="1" noMove="1" noResize="1" noEditPoints="1" noAdjustHandles="1" noChangeArrowheads="1" noChangeShapeType="1" noTextEdit="1"/>
-          </p:cNvSpPr>
-          <p:nvPr>
-            <p:extLst>
-              <p:ext uri="{386F3935-93C4-4BCD-93E2-E3B085C9AB24}">
-                <p16:designElem xmlns:p16="http://schemas.microsoft.com/office/powerpoint/2015/main" val="1"/>
-              </p:ext>
-            </p:extLst>
-          </p:nvPr>
-        </p:nvSpPr>
-        <p:spPr>
-          <a:xfrm>
-            <a:off x="10437812" y="0"/>
-            <a:ext cx="685800" cy="1143000"/>
-          </a:xfrm>
-          <a:prstGeom prst="rect">
-            <a:avLst/>
-          </a:prstGeom>
-          <a:solidFill>
-            <a:schemeClr val="accent1"/>
-          </a:solidFill>
-          <a:ln>
-            <a:noFill/>
-          </a:ln>
-        </p:spPr>
-        <p:style>
-          <a:lnRef idx="1">
-            <a:schemeClr val="accent1"/>
-          </a:lnRef>
-          <a:fillRef idx="3">
-            <a:schemeClr val="accent1"/>
-          </a:fillRef>
-          <a:effectRef idx="2">
-            <a:schemeClr val="accent1"/>
-          </a:effectRef>
-          <a:fontRef idx="minor">
-            <a:schemeClr val="lt1"/>
-          </a:fontRef>
-        </p:style>
-      </p:sp>
-      <p:sp>
-        <p:nvSpPr>
-          <p:cNvPr id="2" name="Title 1">
-            <a:extLst>
-              <a:ext uri="{FF2B5EF4-FFF2-40B4-BE49-F238E27FC236}">
-                <a16:creationId xmlns:a16="http://schemas.microsoft.com/office/drawing/2014/main" id="{6678802E-7D22-428B-B3DE-437E3AB1871E}"/>
-              </a:ext>
-            </a:extLst>
-          </p:cNvPr>
-          <p:cNvSpPr>
-            <a:spLocks noGrp="1"/>
-          </p:cNvSpPr>
-          <p:nvPr>
-            <p:ph type="title"/>
-          </p:nvPr>
-        </p:nvSpPr>
-        <p:spPr>
-          <a:xfrm>
-            <a:off x="535318" y="4310144"/>
-            <a:ext cx="10893094" cy="1915940"/>
-          </a:xfrm>
-        </p:spPr>
-        <p:txBody>
-          <a:bodyPr vert="horz" lIns="91440" tIns="45720" rIns="91440" bIns="45720" rtlCol="0" anchor="b">
-            <a:normAutofit/>
-          </a:bodyPr>
-          <a:lstStyle/>
-          <a:p>
-            <a:pPr algn="ctr">
-              <a:lnSpc>
-                <a:spcPct val="90000"/>
-              </a:lnSpc>
-            </a:pPr>
-            <a:r>
-              <a:rPr lang="en-US" sz="4000" b="0" i="0" kern="1200" dirty="0">
-                <a:solidFill>
-                  <a:schemeClr val="bg2"/>
-                </a:solidFill>
-                <a:latin typeface="+mj-lt"/>
-                <a:ea typeface="+mj-ea"/>
-                <a:cs typeface="+mj-cs"/>
-              </a:rPr>
-              <a:t>Server:</a:t>
-            </a:r>
-            <a:br>
-              <a:rPr lang="en-US" sz="4000" b="0" i="0" kern="1200" dirty="0">
-                <a:solidFill>
-                  <a:schemeClr val="bg2"/>
-                </a:solidFill>
-                <a:latin typeface="+mj-lt"/>
-                <a:ea typeface="+mj-ea"/>
-                <a:cs typeface="+mj-cs"/>
-              </a:rPr>
-            </a:br>
-            <a:r>
-              <a:rPr lang="en-US" sz="4000" b="0" i="0" kern="1200" dirty="0">
-                <a:solidFill>
-                  <a:schemeClr val="bg2"/>
-                </a:solidFill>
-                <a:latin typeface="+mj-lt"/>
-                <a:ea typeface="+mj-ea"/>
-                <a:cs typeface="+mj-cs"/>
-              </a:rPr>
-              <a:t>Feeding the Data to the Output</a:t>
-            </a:r>
-            <a:br>
-              <a:rPr lang="en-US" sz="4000" b="0" i="0" kern="1200" dirty="0">
-                <a:solidFill>
-                  <a:schemeClr val="bg2"/>
-                </a:solidFill>
-                <a:latin typeface="+mj-lt"/>
-                <a:ea typeface="+mj-ea"/>
-                <a:cs typeface="+mj-cs"/>
-              </a:rPr>
-            </a:br>
-            <a:endParaRPr lang="en-US" sz="4000" b="0" i="0" kern="1200" dirty="0">
-              <a:solidFill>
-                <a:schemeClr val="bg2"/>
-              </a:solidFill>
-              <a:latin typeface="+mj-lt"/>
-              <a:ea typeface="+mj-ea"/>
-              <a:cs typeface="+mj-cs"/>
-            </a:endParaRPr>
-          </a:p>
-        </p:txBody>
-      </p:sp>
-      <p:pic>
-        <p:nvPicPr>
-          <p:cNvPr id="3" name="Picture 2">
-            <a:extLst>
-              <a:ext uri="{FF2B5EF4-FFF2-40B4-BE49-F238E27FC236}">
-                <a16:creationId xmlns:a16="http://schemas.microsoft.com/office/drawing/2014/main" id="{5D2D38FD-FE71-46C8-AFA5-3827CD19CC4A}"/>
-              </a:ext>
-            </a:extLst>
-          </p:cNvPr>
-          <p:cNvPicPr>
-            <a:picLocks noChangeAspect="1"/>
-          </p:cNvPicPr>
-          <p:nvPr/>
-        </p:nvPicPr>
-        <p:blipFill>
-          <a:blip r:embed="rId4"/>
-          <a:stretch>
-            <a:fillRect/>
-          </a:stretch>
-        </p:blipFill>
-        <p:spPr>
-          <a:xfrm>
-            <a:off x="1641129" y="1244291"/>
-            <a:ext cx="8909742" cy="3065853"/>
-          </a:xfrm>
-          <a:prstGeom prst="roundRect">
-            <a:avLst>
-              <a:gd name="adj" fmla="val 1858"/>
-            </a:avLst>
-          </a:prstGeom>
-          <a:effectLst>
-            <a:outerShdw blurRad="50800" dist="50800" dir="5400000" algn="tl" rotWithShape="0">
-              <a:srgbClr val="000000">
-                <a:alpha val="43000"/>
-              </a:srgbClr>
-            </a:outerShdw>
-          </a:effectLst>
-        </p:spPr>
-      </p:pic>
-      <p:pic>
-        <p:nvPicPr>
-          <p:cNvPr id="6" name="Picture 5">
-            <a:extLst>
-              <a:ext uri="{FF2B5EF4-FFF2-40B4-BE49-F238E27FC236}">
-                <a16:creationId xmlns:a16="http://schemas.microsoft.com/office/drawing/2014/main" id="{1930873E-017A-4FF6-90A4-B92EAC0D1037}"/>
-              </a:ext>
-            </a:extLst>
-          </p:cNvPr>
-          <p:cNvPicPr>
-            <a:picLocks noChangeAspect="1"/>
-          </p:cNvPicPr>
-          <p:nvPr/>
-        </p:nvPicPr>
-        <p:blipFill>
-          <a:blip r:embed="rId5"/>
-          <a:stretch>
-            <a:fillRect/>
-          </a:stretch>
-        </p:blipFill>
-        <p:spPr>
-          <a:xfrm>
-            <a:off x="6380162" y="309563"/>
-            <a:ext cx="3238500" cy="733425"/>
-          </a:xfrm>
-          <a:prstGeom prst="rect">
-            <a:avLst/>
-          </a:prstGeom>
-        </p:spPr>
-      </p:pic>
-      <p:sp>
-        <p:nvSpPr>
-          <p:cNvPr id="8" name="Slide Number Placeholder 7">
-            <a:extLst>
-              <a:ext uri="{FF2B5EF4-FFF2-40B4-BE49-F238E27FC236}">
-                <a16:creationId xmlns:a16="http://schemas.microsoft.com/office/drawing/2014/main" id="{9FADC823-E191-490F-8584-80FE21836AF6}"/>
-              </a:ext>
-            </a:extLst>
-          </p:cNvPr>
-          <p:cNvSpPr>
-            <a:spLocks noGrp="1"/>
-          </p:cNvSpPr>
-          <p:nvPr>
-            <p:ph type="sldNum" sz="quarter" idx="12"/>
-          </p:nvPr>
-        </p:nvSpPr>
-        <p:spPr/>
-        <p:txBody>
-          <a:bodyPr/>
-          <a:lstStyle/>
-          <a:p>
-            <a:fld id="{D57F1E4F-1CFF-5643-939E-217C01CDF565}" type="slidenum">
-              <a:rPr lang="en-US" smtClean="0"/>
-              <a:pPr/>
-              <a:t>9</a:t>
-            </a:fld>
-            <a:endParaRPr lang="en-US" dirty="0"/>
-          </a:p>
-        </p:txBody>
-      </p:sp>
-    </p:spTree>
-    <p:extLst>
-      <p:ext uri="{BB962C8B-B14F-4D97-AF65-F5344CB8AC3E}">
-        <p14:creationId xmlns:p14="http://schemas.microsoft.com/office/powerpoint/2010/main" val="1162286960"/>
-      </p:ext>
-    </p:extLst>
-  </p:cSld>
-  <p:clrMapOvr>
-    <a:masterClrMapping/>
-  </p:clrMapOvr>
-  <p:timing>
-    <p:tnLst>
-      <p:par>
-        <p:cTn id="1" dur="indefinite" restart="never" nodeType="tmRoot">
-          <p:childTnLst>
-            <p:seq concurrent="1" nextAc="seek">
-              <p:cTn id="2" dur="indefinite" nodeType="mainSeq">
-                <p:childTnLst>
-                  <p:par>
-                    <p:cTn id="3" fill="hold">
-                      <p:stCondLst>
-                        <p:cond delay="indefinite"/>
-                      </p:stCondLst>
-                      <p:childTnLst>
-                        <p:par>
-                          <p:cTn id="4" fill="hold">
-                            <p:stCondLst>
-                              <p:cond delay="0"/>
-                            </p:stCondLst>
-                            <p:childTnLst>
-                              <p:par>
-                                <p:cTn id="5" presetID="10" presetClass="entr" presetSubtype="0" fill="hold" nodeType="clickEffect">
-                                  <p:stCondLst>
-                                    <p:cond delay="0"/>
-                                  </p:stCondLst>
-                                  <p:childTnLst>
-                                    <p:set>
-                                      <p:cBhvr>
-                                        <p:cTn id="6" dur="1" fill="hold">
-                                          <p:stCondLst>
-                                            <p:cond delay="0"/>
-                                          </p:stCondLst>
-                                        </p:cTn>
-                                        <p:tgtEl>
-                                          <p:spTgt spid="6"/>
-                                        </p:tgtEl>
-                                        <p:attrNameLst>
-                                          <p:attrName>style.visibility</p:attrName>
-                                        </p:attrNameLst>
-                                      </p:cBhvr>
-                                      <p:to>
-                                        <p:strVal val="visible"/>
-                                      </p:to>
-                                    </p:set>
-                                    <p:animEffect transition="in" filter="fade">
-                                      <p:cBhvr>
-                                        <p:cTn id="7" dur="500"/>
-                                        <p:tgtEl>
-                                          <p:spTgt spid="6"/>
-                                        </p:tgtEl>
-                                      </p:cBhvr>
-                                    </p:animEffect>
-                                  </p:childTnLst>
-                                </p:cTn>
-                              </p:par>
-                            </p:childTnLst>
-                          </p:cTn>
-                        </p:par>
-                      </p:childTnLst>
-                    </p:cTn>
-                  </p:par>
                   <p:par>
                     <p:cTn id="8" fill="hold">
                       <p:stCondLst>
@@ -23314,37 +23737,37 @@
                             </p:stCondLst>
                             <p:childTnLst>
                               <p:par>
-                                <p:cTn id="10" presetID="10" presetClass="exit" presetSubtype="0" fill="hold" nodeType="clickEffect">
+                                <p:cTn id="10" presetID="10" presetClass="entr" presetSubtype="0" fill="hold" grpId="0" nodeType="clickEffect">
                                   <p:stCondLst>
                                     <p:cond delay="0"/>
                                   </p:stCondLst>
                                   <p:childTnLst>
-                                    <p:animEffect transition="out" filter="fade">
-                                      <p:cBhvr>
-                                        <p:cTn id="11" dur="500"/>
-                                        <p:tgtEl>
-                                          <p:spTgt spid="6"/>
-                                        </p:tgtEl>
-                                      </p:cBhvr>
-                                    </p:animEffect>
                                     <p:set>
                                       <p:cBhvr>
-                                        <p:cTn id="12" dur="1" fill="hold">
+                                        <p:cTn id="11" dur="1" fill="hold">
                                           <p:stCondLst>
-                                            <p:cond delay="499"/>
+                                            <p:cond delay="0"/>
                                           </p:stCondLst>
                                         </p:cTn>
                                         <p:tgtEl>
-                                          <p:spTgt spid="6"/>
+                                          <p:spTgt spid="3"/>
                                         </p:tgtEl>
                                         <p:attrNameLst>
                                           <p:attrName>style.visibility</p:attrName>
                                         </p:attrNameLst>
                                       </p:cBhvr>
                                       <p:to>
-                                        <p:strVal val="hidden"/>
+                                        <p:strVal val="visible"/>
                                       </p:to>
                                     </p:set>
+                                    <p:animEffect transition="in" filter="fade">
+                                      <p:cBhvr>
+                                        <p:cTn id="12" dur="500"/>
+                                        <p:tgtEl>
+                                          <p:spTgt spid="3"/>
+                                        </p:tgtEl>
+                                      </p:cBhvr>
+                                    </p:animEffect>
                                   </p:childTnLst>
                                 </p:cTn>
                               </p:par>
@@ -23375,6 +23798,9 @@
         </p:cTn>
       </p:par>
     </p:tnLst>
+    <p:bldLst>
+      <p:bldP spid="3" grpId="0" animBg="1"/>
+    </p:bldLst>
   </p:timing>
 </p:sld>
 </file>

--- a/R_Shiny_Presentation_4_9_19.pptx
+++ b/R_Shiny_Presentation_4_9_19.pptx
@@ -5,7 +5,7 @@
     <p:sldMasterId id="2147483648" r:id="rId1"/>
   </p:sldMasterIdLst>
   <p:notesMasterIdLst>
-    <p:notesMasterId r:id="rId16"/>
+    <p:notesMasterId r:id="rId17"/>
   </p:notesMasterIdLst>
   <p:sldIdLst>
     <p:sldId id="256" r:id="rId2"/>
@@ -18,10 +18,11 @@
     <p:sldId id="263" r:id="rId9"/>
     <p:sldId id="264" r:id="rId10"/>
     <p:sldId id="265" r:id="rId11"/>
-    <p:sldId id="266" r:id="rId12"/>
+    <p:sldId id="270" r:id="rId12"/>
     <p:sldId id="268" r:id="rId13"/>
     <p:sldId id="260" r:id="rId14"/>
-    <p:sldId id="267" r:id="rId15"/>
+    <p:sldId id="266" r:id="rId15"/>
+    <p:sldId id="267" r:id="rId16"/>
   </p:sldIdLst>
   <p:sldSz cx="12192000" cy="6858000"/>
   <p:notesSz cx="6858000" cy="9144000"/>
@@ -15996,6 +15997,639 @@
       </p:grpSpPr>
       <p:sp>
         <p:nvSpPr>
+          <p:cNvPr id="5" name="Title 4">
+            <a:extLst>
+              <a:ext uri="{FF2B5EF4-FFF2-40B4-BE49-F238E27FC236}">
+                <a16:creationId xmlns:a16="http://schemas.microsoft.com/office/drawing/2014/main" id="{0D75A64D-43D3-4E15-81D0-AF78412AE5F9}"/>
+              </a:ext>
+            </a:extLst>
+          </p:cNvPr>
+          <p:cNvSpPr>
+            <a:spLocks noGrp="1"/>
+          </p:cNvSpPr>
+          <p:nvPr>
+            <p:ph type="title"/>
+          </p:nvPr>
+        </p:nvSpPr>
+        <p:spPr/>
+        <p:txBody>
+          <a:bodyPr/>
+          <a:lstStyle/>
+          <a:p>
+            <a:r>
+              <a:rPr lang="en-US" dirty="0"/>
+              <a:t>Recapping the Key Components</a:t>
+            </a:r>
+          </a:p>
+        </p:txBody>
+      </p:sp>
+      <p:sp>
+        <p:nvSpPr>
+          <p:cNvPr id="6" name="Text Placeholder 5">
+            <a:extLst>
+              <a:ext uri="{FF2B5EF4-FFF2-40B4-BE49-F238E27FC236}">
+                <a16:creationId xmlns:a16="http://schemas.microsoft.com/office/drawing/2014/main" id="{51726FCC-912C-4A20-ADED-219E95D2F406}"/>
+              </a:ext>
+            </a:extLst>
+          </p:cNvPr>
+          <p:cNvSpPr>
+            <a:spLocks noGrp="1"/>
+          </p:cNvSpPr>
+          <p:nvPr>
+            <p:ph type="body" idx="1"/>
+          </p:nvPr>
+        </p:nvSpPr>
+        <p:spPr/>
+        <p:txBody>
+          <a:bodyPr/>
+          <a:lstStyle/>
+          <a:p>
+            <a:r>
+              <a:rPr lang="en-US" sz="3200" b="1" dirty="0"/>
+              <a:t>User Interface</a:t>
+            </a:r>
+          </a:p>
+        </p:txBody>
+      </p:sp>
+      <p:sp>
+        <p:nvSpPr>
+          <p:cNvPr id="7" name="Content Placeholder 6">
+            <a:extLst>
+              <a:ext uri="{FF2B5EF4-FFF2-40B4-BE49-F238E27FC236}">
+                <a16:creationId xmlns:a16="http://schemas.microsoft.com/office/drawing/2014/main" id="{298B4DC0-8F89-43FB-B112-9B2A909ED3AF}"/>
+              </a:ext>
+            </a:extLst>
+          </p:cNvPr>
+          <p:cNvSpPr>
+            <a:spLocks noGrp="1"/>
+          </p:cNvSpPr>
+          <p:nvPr>
+            <p:ph sz="half" idx="2"/>
+          </p:nvPr>
+        </p:nvSpPr>
+        <p:spPr/>
+        <p:txBody>
+          <a:bodyPr>
+            <a:normAutofit/>
+          </a:bodyPr>
+          <a:lstStyle/>
+          <a:p>
+            <a:r>
+              <a:rPr lang="en-US" sz="2000" dirty="0"/>
+              <a:t>Choose/design the webpage layout</a:t>
+            </a:r>
+          </a:p>
+          <a:p>
+            <a:r>
+              <a:rPr lang="en-US" sz="2000" dirty="0"/>
+              <a:t>Define the user inputs and choose widgets </a:t>
+            </a:r>
+          </a:p>
+          <a:p>
+            <a:r>
+              <a:rPr lang="en-US" sz="2000" dirty="0"/>
+              <a:t>Name the outputs and call the appropriate types with </a:t>
+            </a:r>
+            <a:r>
+              <a:rPr lang="en-US" sz="2000" dirty="0" err="1"/>
+              <a:t>nameOutput</a:t>
+            </a:r>
+            <a:r>
+              <a:rPr lang="en-US" sz="2000" dirty="0"/>
+              <a:t>()</a:t>
+            </a:r>
+          </a:p>
+        </p:txBody>
+      </p:sp>
+      <p:sp>
+        <p:nvSpPr>
+          <p:cNvPr id="8" name="Text Placeholder 7">
+            <a:extLst>
+              <a:ext uri="{FF2B5EF4-FFF2-40B4-BE49-F238E27FC236}">
+                <a16:creationId xmlns:a16="http://schemas.microsoft.com/office/drawing/2014/main" id="{FB79FB8B-D749-4B09-B2E0-E1252C4134ED}"/>
+              </a:ext>
+            </a:extLst>
+          </p:cNvPr>
+          <p:cNvSpPr>
+            <a:spLocks noGrp="1"/>
+          </p:cNvSpPr>
+          <p:nvPr>
+            <p:ph type="body" sz="quarter" idx="3"/>
+          </p:nvPr>
+        </p:nvSpPr>
+        <p:spPr/>
+        <p:txBody>
+          <a:bodyPr/>
+          <a:lstStyle/>
+          <a:p>
+            <a:r>
+              <a:rPr lang="en-US" sz="3200" b="1" dirty="0"/>
+              <a:t>Server</a:t>
+            </a:r>
+          </a:p>
+        </p:txBody>
+      </p:sp>
+      <p:sp>
+        <p:nvSpPr>
+          <p:cNvPr id="9" name="Content Placeholder 8">
+            <a:extLst>
+              <a:ext uri="{FF2B5EF4-FFF2-40B4-BE49-F238E27FC236}">
+                <a16:creationId xmlns:a16="http://schemas.microsoft.com/office/drawing/2014/main" id="{264DA280-1DFE-4F5A-9698-601D4969EDB9}"/>
+              </a:ext>
+            </a:extLst>
+          </p:cNvPr>
+          <p:cNvSpPr>
+            <a:spLocks noGrp="1"/>
+          </p:cNvSpPr>
+          <p:nvPr>
+            <p:ph sz="quarter" idx="4"/>
+          </p:nvPr>
+        </p:nvSpPr>
+        <p:spPr/>
+        <p:txBody>
+          <a:bodyPr>
+            <a:normAutofit/>
+          </a:bodyPr>
+          <a:lstStyle/>
+          <a:p>
+            <a:r>
+              <a:rPr lang="en-US" sz="2000" dirty="0"/>
+              <a:t>Filter the data according to the selected input(s) with </a:t>
+            </a:r>
+            <a:r>
+              <a:rPr lang="en-US" sz="2000" dirty="0" err="1"/>
+              <a:t>input$input_name</a:t>
+            </a:r>
+            <a:endParaRPr lang="en-US" sz="2000" dirty="0"/>
+          </a:p>
+          <a:p>
+            <a:r>
+              <a:rPr lang="en-US" sz="2000" dirty="0"/>
+              <a:t>Feed that filtered data to the outputs</a:t>
+            </a:r>
+          </a:p>
+          <a:p>
+            <a:r>
+              <a:rPr lang="en-US" sz="2000" dirty="0"/>
+              <a:t>Set-up the outputs with </a:t>
+            </a:r>
+            <a:r>
+              <a:rPr lang="en-US" sz="2000" dirty="0" err="1"/>
+              <a:t>output$output_name</a:t>
+            </a:r>
+            <a:r>
+              <a:rPr lang="en-US" sz="2000" dirty="0"/>
+              <a:t> and render them with </a:t>
+            </a:r>
+            <a:r>
+              <a:rPr lang="en-US" sz="2000" dirty="0" err="1"/>
+              <a:t>renderName</a:t>
+            </a:r>
+            <a:r>
+              <a:rPr lang="en-US" sz="2000" dirty="0"/>
+              <a:t>({})</a:t>
+            </a:r>
+          </a:p>
+        </p:txBody>
+      </p:sp>
+      <p:sp>
+        <p:nvSpPr>
+          <p:cNvPr id="4" name="Slide Number Placeholder 3">
+            <a:extLst>
+              <a:ext uri="{FF2B5EF4-FFF2-40B4-BE49-F238E27FC236}">
+                <a16:creationId xmlns:a16="http://schemas.microsoft.com/office/drawing/2014/main" id="{FC815E91-990D-4F05-B6E0-BB17A352F1DC}"/>
+              </a:ext>
+            </a:extLst>
+          </p:cNvPr>
+          <p:cNvSpPr>
+            <a:spLocks noGrp="1"/>
+          </p:cNvSpPr>
+          <p:nvPr>
+            <p:ph type="sldNum" sz="quarter" idx="12"/>
+          </p:nvPr>
+        </p:nvSpPr>
+        <p:spPr/>
+        <p:txBody>
+          <a:bodyPr/>
+          <a:lstStyle/>
+          <a:p>
+            <a:fld id="{D57F1E4F-1CFF-5643-939E-217C01CDF565}" type="slidenum">
+              <a:rPr lang="en-US" smtClean="0"/>
+              <a:pPr/>
+              <a:t>11</a:t>
+            </a:fld>
+            <a:endParaRPr lang="en-US" dirty="0"/>
+          </a:p>
+        </p:txBody>
+      </p:sp>
+    </p:spTree>
+    <p:extLst>
+      <p:ext uri="{BB962C8B-B14F-4D97-AF65-F5344CB8AC3E}">
+        <p14:creationId xmlns:p14="http://schemas.microsoft.com/office/powerpoint/2010/main" val="3903320174"/>
+      </p:ext>
+    </p:extLst>
+  </p:cSld>
+  <p:clrMapOvr>
+    <a:masterClrMapping/>
+  </p:clrMapOvr>
+</p:sld>
+</file>
+
+<file path=ppt/slides/slide12.xml><?xml version="1.0" encoding="utf-8"?>
+<p:sld xmlns:a="http://schemas.openxmlformats.org/drawingml/2006/main" xmlns:r="http://schemas.openxmlformats.org/officeDocument/2006/relationships" xmlns:p="http://schemas.openxmlformats.org/presentationml/2006/main">
+  <p:cSld>
+    <p:spTree>
+      <p:nvGrpSpPr>
+        <p:cNvPr id="1" name=""/>
+        <p:cNvGrpSpPr/>
+        <p:nvPr/>
+      </p:nvGrpSpPr>
+      <p:grpSpPr>
+        <a:xfrm>
+          <a:off x="0" y="0"/>
+          <a:ext cx="0" cy="0"/>
+          <a:chOff x="0" y="0"/>
+          <a:chExt cx="0" cy="0"/>
+        </a:xfrm>
+      </p:grpSpPr>
+      <p:sp>
+        <p:nvSpPr>
+          <p:cNvPr id="2" name="Title 1">
+            <a:extLst>
+              <a:ext uri="{FF2B5EF4-FFF2-40B4-BE49-F238E27FC236}">
+                <a16:creationId xmlns:a16="http://schemas.microsoft.com/office/drawing/2014/main" id="{E7FF9F6B-5502-4C8E-9AC6-B38498A75744}"/>
+              </a:ext>
+            </a:extLst>
+          </p:cNvPr>
+          <p:cNvSpPr>
+            <a:spLocks noGrp="1"/>
+          </p:cNvSpPr>
+          <p:nvPr>
+            <p:ph type="title"/>
+          </p:nvPr>
+        </p:nvSpPr>
+        <p:spPr/>
+        <p:txBody>
+          <a:bodyPr/>
+          <a:lstStyle/>
+          <a:p>
+            <a:r>
+              <a:rPr lang="en-US" dirty="0"/>
+              <a:t>Hosting Your App</a:t>
+            </a:r>
+          </a:p>
+        </p:txBody>
+      </p:sp>
+      <p:sp>
+        <p:nvSpPr>
+          <p:cNvPr id="6" name="Content Placeholder 5">
+            <a:extLst>
+              <a:ext uri="{FF2B5EF4-FFF2-40B4-BE49-F238E27FC236}">
+                <a16:creationId xmlns:a16="http://schemas.microsoft.com/office/drawing/2014/main" id="{EE29F5B9-7B51-43D1-9CDA-E0302098E8B6}"/>
+              </a:ext>
+            </a:extLst>
+          </p:cNvPr>
+          <p:cNvSpPr>
+            <a:spLocks noGrp="1"/>
+          </p:cNvSpPr>
+          <p:nvPr>
+            <p:ph idx="1"/>
+          </p:nvPr>
+        </p:nvSpPr>
+        <p:spPr>
+          <a:xfrm>
+            <a:off x="1154955" y="2603500"/>
+            <a:ext cx="9942536" cy="3416300"/>
+          </a:xfrm>
+        </p:spPr>
+        <p:txBody>
+          <a:bodyPr>
+            <a:normAutofit/>
+          </a:bodyPr>
+          <a:lstStyle/>
+          <a:p>
+            <a:endParaRPr lang="en-US" sz="2400" dirty="0"/>
+          </a:p>
+          <a:p>
+            <a:r>
+              <a:rPr lang="en-US" sz="2400" dirty="0"/>
+              <a:t>Shiny Server Open Source (runs on popular Linux distributions)</a:t>
+            </a:r>
+          </a:p>
+          <a:p>
+            <a:r>
+              <a:rPr lang="en-US" sz="2400" dirty="0"/>
+              <a:t>Deploy to the cloud @ shinyapps.io (free and commercial)</a:t>
+            </a:r>
+          </a:p>
+          <a:p>
+            <a:r>
+              <a:rPr lang="en-US" sz="2400" dirty="0"/>
+              <a:t>Shiny Server Pro (commercial)</a:t>
+            </a:r>
+          </a:p>
+          <a:p>
+            <a:r>
+              <a:rPr lang="en-US" sz="2400" dirty="0"/>
+              <a:t>RStudio Connect (commercial)</a:t>
+            </a:r>
+          </a:p>
+        </p:txBody>
+      </p:sp>
+      <p:sp>
+        <p:nvSpPr>
+          <p:cNvPr id="5" name="Slide Number Placeholder 4">
+            <a:extLst>
+              <a:ext uri="{FF2B5EF4-FFF2-40B4-BE49-F238E27FC236}">
+                <a16:creationId xmlns:a16="http://schemas.microsoft.com/office/drawing/2014/main" id="{E40F8DEC-9FCA-4872-BA6E-5510929D242C}"/>
+              </a:ext>
+            </a:extLst>
+          </p:cNvPr>
+          <p:cNvSpPr>
+            <a:spLocks noGrp="1"/>
+          </p:cNvSpPr>
+          <p:nvPr>
+            <p:ph type="sldNum" sz="quarter" idx="12"/>
+          </p:nvPr>
+        </p:nvSpPr>
+        <p:spPr/>
+        <p:txBody>
+          <a:bodyPr/>
+          <a:lstStyle/>
+          <a:p>
+            <a:fld id="{D57F1E4F-1CFF-5643-939E-217C01CDF565}" type="slidenum">
+              <a:rPr lang="en-US" smtClean="0"/>
+              <a:pPr/>
+              <a:t>12</a:t>
+            </a:fld>
+            <a:endParaRPr lang="en-US" dirty="0"/>
+          </a:p>
+        </p:txBody>
+      </p:sp>
+    </p:spTree>
+    <p:extLst>
+      <p:ext uri="{BB962C8B-B14F-4D97-AF65-F5344CB8AC3E}">
+        <p14:creationId xmlns:p14="http://schemas.microsoft.com/office/powerpoint/2010/main" val="228823314"/>
+      </p:ext>
+    </p:extLst>
+  </p:cSld>
+  <p:clrMapOvr>
+    <a:masterClrMapping/>
+  </p:clrMapOvr>
+</p:sld>
+</file>
+
+<file path=ppt/slides/slide13.xml><?xml version="1.0" encoding="utf-8"?>
+<p:sld xmlns:a="http://schemas.openxmlformats.org/drawingml/2006/main" xmlns:r="http://schemas.openxmlformats.org/officeDocument/2006/relationships" xmlns:p="http://schemas.openxmlformats.org/presentationml/2006/main">
+  <p:cSld>
+    <p:spTree>
+      <p:nvGrpSpPr>
+        <p:cNvPr id="1" name=""/>
+        <p:cNvGrpSpPr/>
+        <p:nvPr/>
+      </p:nvGrpSpPr>
+      <p:grpSpPr>
+        <a:xfrm>
+          <a:off x="0" y="0"/>
+          <a:ext cx="0" cy="0"/>
+          <a:chOff x="0" y="0"/>
+          <a:chExt cx="0" cy="0"/>
+        </a:xfrm>
+      </p:grpSpPr>
+      <p:sp>
+        <p:nvSpPr>
+          <p:cNvPr id="2" name="Title 1">
+            <a:extLst>
+              <a:ext uri="{FF2B5EF4-FFF2-40B4-BE49-F238E27FC236}">
+                <a16:creationId xmlns:a16="http://schemas.microsoft.com/office/drawing/2014/main" id="{A2662A5F-BF68-4912-A6BB-F7A7C33C68CF}"/>
+              </a:ext>
+            </a:extLst>
+          </p:cNvPr>
+          <p:cNvSpPr>
+            <a:spLocks noGrp="1"/>
+          </p:cNvSpPr>
+          <p:nvPr>
+            <p:ph type="title"/>
+          </p:nvPr>
+        </p:nvSpPr>
+        <p:spPr/>
+        <p:txBody>
+          <a:bodyPr/>
+          <a:lstStyle/>
+          <a:p>
+            <a:r>
+              <a:rPr lang="en-US" dirty="0"/>
+              <a:t>Additional Resources</a:t>
+            </a:r>
+          </a:p>
+        </p:txBody>
+      </p:sp>
+      <p:sp>
+        <p:nvSpPr>
+          <p:cNvPr id="5" name="Content Placeholder 4">
+            <a:extLst>
+              <a:ext uri="{FF2B5EF4-FFF2-40B4-BE49-F238E27FC236}">
+                <a16:creationId xmlns:a16="http://schemas.microsoft.com/office/drawing/2014/main" id="{D3F96714-26EF-4D92-AEE6-6A5A480364DA}"/>
+              </a:ext>
+            </a:extLst>
+          </p:cNvPr>
+          <p:cNvSpPr>
+            <a:spLocks noGrp="1"/>
+          </p:cNvSpPr>
+          <p:nvPr>
+            <p:ph sz="half" idx="1"/>
+          </p:nvPr>
+        </p:nvSpPr>
+        <p:spPr/>
+        <p:txBody>
+          <a:bodyPr>
+            <a:normAutofit/>
+          </a:bodyPr>
+          <a:lstStyle/>
+          <a:p>
+            <a:pPr marL="0" indent="0">
+              <a:buNone/>
+            </a:pPr>
+            <a:r>
+              <a:rPr lang="en-US" sz="2400" b="1" dirty="0"/>
+              <a:t>For Learning</a:t>
+            </a:r>
+          </a:p>
+          <a:p>
+            <a:r>
+              <a:rPr lang="en-US" sz="2000" dirty="0">
+                <a:hlinkClick r:id="rId2"/>
+              </a:rPr>
+              <a:t>https://shiny.rstudio.com/tutorial/written-tutorial/lesson1/</a:t>
+            </a:r>
+            <a:endParaRPr lang="en-US" sz="2000" dirty="0"/>
+          </a:p>
+          <a:p>
+            <a:r>
+              <a:rPr lang="en-US" sz="2000" dirty="0">
+                <a:hlinkClick r:id="rId3"/>
+              </a:rPr>
+              <a:t>https://shiny.rstudio.com/tutorial/</a:t>
+            </a:r>
+            <a:endParaRPr lang="en-US" sz="2000" dirty="0"/>
+          </a:p>
+          <a:p>
+            <a:r>
+              <a:rPr lang="en-US" sz="2000" dirty="0">
+                <a:hlinkClick r:id="rId4"/>
+              </a:rPr>
+              <a:t>https://www.rstudio.com/resources/cheatsheets/#shiny</a:t>
+            </a:r>
+            <a:endParaRPr lang="en-US" sz="2000" dirty="0"/>
+          </a:p>
+          <a:p>
+            <a:r>
+              <a:rPr lang="en-US" sz="2000" dirty="0"/>
+              <a:t>94-880 “R Shiny for Operations” with Geoffrey Arnold</a:t>
+            </a:r>
+          </a:p>
+        </p:txBody>
+      </p:sp>
+      <p:sp>
+        <p:nvSpPr>
+          <p:cNvPr id="6" name="Content Placeholder 5">
+            <a:extLst>
+              <a:ext uri="{FF2B5EF4-FFF2-40B4-BE49-F238E27FC236}">
+                <a16:creationId xmlns:a16="http://schemas.microsoft.com/office/drawing/2014/main" id="{2FAD5D5A-CE8C-453D-9168-F1934A97C460}"/>
+              </a:ext>
+            </a:extLst>
+          </p:cNvPr>
+          <p:cNvSpPr>
+            <a:spLocks noGrp="1"/>
+          </p:cNvSpPr>
+          <p:nvPr>
+            <p:ph sz="half" idx="2"/>
+          </p:nvPr>
+        </p:nvSpPr>
+        <p:spPr/>
+        <p:txBody>
+          <a:bodyPr>
+            <a:normAutofit/>
+          </a:bodyPr>
+          <a:lstStyle/>
+          <a:p>
+            <a:pPr marL="0" indent="0">
+              <a:buNone/>
+            </a:pPr>
+            <a:r>
+              <a:rPr lang="en-US" sz="2400" b="1" dirty="0"/>
+              <a:t>For Building Cooler Apps!</a:t>
+            </a:r>
+          </a:p>
+          <a:p>
+            <a:r>
+              <a:rPr lang="en-US" sz="2000" dirty="0">
+                <a:hlinkClick r:id="rId5"/>
+              </a:rPr>
+              <a:t>https://shiny.rstudio.com/gallery/widget-gallery.html</a:t>
+            </a:r>
+            <a:endParaRPr lang="en-US" sz="2000" dirty="0"/>
+          </a:p>
+          <a:p>
+            <a:r>
+              <a:rPr lang="en-US" sz="2000" dirty="0">
+                <a:hlinkClick r:id="rId6"/>
+              </a:rPr>
+              <a:t>http://rpubs.com/insight/leaflet</a:t>
+            </a:r>
+            <a:endParaRPr lang="en-US" sz="2000" dirty="0"/>
+          </a:p>
+          <a:p>
+            <a:r>
+              <a:rPr lang="en-US" sz="2000" dirty="0"/>
+              <a:t>Shiny Dashboards, </a:t>
+            </a:r>
+            <a:r>
+              <a:rPr lang="en-US" sz="2000" dirty="0" err="1"/>
+              <a:t>Flexdashboards</a:t>
+            </a:r>
+            <a:endParaRPr lang="en-US" sz="2000" dirty="0"/>
+          </a:p>
+          <a:p>
+            <a:r>
+              <a:rPr lang="en-US" sz="2000" dirty="0" err="1"/>
+              <a:t>GoogleVis</a:t>
+            </a:r>
+            <a:r>
+              <a:rPr lang="en-US" sz="2000" dirty="0"/>
+              <a:t>, leaflet</a:t>
+            </a:r>
+          </a:p>
+          <a:p>
+            <a:endParaRPr lang="en-US" sz="2000" dirty="0"/>
+          </a:p>
+          <a:p>
+            <a:endParaRPr lang="en-US" sz="2000" b="1" dirty="0"/>
+          </a:p>
+        </p:txBody>
+      </p:sp>
+      <p:sp>
+        <p:nvSpPr>
+          <p:cNvPr id="7" name="Slide Number Placeholder 6">
+            <a:extLst>
+              <a:ext uri="{FF2B5EF4-FFF2-40B4-BE49-F238E27FC236}">
+                <a16:creationId xmlns:a16="http://schemas.microsoft.com/office/drawing/2014/main" id="{E94C7C1D-DBC2-4ED3-816C-4DBD9764D530}"/>
+              </a:ext>
+            </a:extLst>
+          </p:cNvPr>
+          <p:cNvSpPr>
+            <a:spLocks noGrp="1"/>
+          </p:cNvSpPr>
+          <p:nvPr>
+            <p:ph type="sldNum" sz="quarter" idx="12"/>
+          </p:nvPr>
+        </p:nvSpPr>
+        <p:spPr/>
+        <p:txBody>
+          <a:bodyPr/>
+          <a:lstStyle/>
+          <a:p>
+            <a:fld id="{D57F1E4F-1CFF-5643-939E-217C01CDF565}" type="slidenum">
+              <a:rPr lang="en-US" smtClean="0"/>
+              <a:pPr/>
+              <a:t>13</a:t>
+            </a:fld>
+            <a:endParaRPr lang="en-US" dirty="0"/>
+          </a:p>
+        </p:txBody>
+      </p:sp>
+    </p:spTree>
+    <p:extLst>
+      <p:ext uri="{BB962C8B-B14F-4D97-AF65-F5344CB8AC3E}">
+        <p14:creationId xmlns:p14="http://schemas.microsoft.com/office/powerpoint/2010/main" val="1715192231"/>
+      </p:ext>
+    </p:extLst>
+  </p:cSld>
+  <p:clrMapOvr>
+    <a:masterClrMapping/>
+  </p:clrMapOvr>
+</p:sld>
+</file>
+
+<file path=ppt/slides/slide14.xml><?xml version="1.0" encoding="utf-8"?>
+<p:sld xmlns:a="http://schemas.openxmlformats.org/drawingml/2006/main" xmlns:r="http://schemas.openxmlformats.org/officeDocument/2006/relationships" xmlns:p="http://schemas.openxmlformats.org/presentationml/2006/main">
+  <p:cSld>
+    <p:spTree>
+      <p:nvGrpSpPr>
+        <p:cNvPr id="1" name=""/>
+        <p:cNvGrpSpPr/>
+        <p:nvPr/>
+      </p:nvGrpSpPr>
+      <p:grpSpPr>
+        <a:xfrm>
+          <a:off x="0" y="0"/>
+          <a:ext cx="0" cy="0"/>
+          <a:chOff x="0" y="0"/>
+          <a:chExt cx="0" cy="0"/>
+        </a:xfrm>
+      </p:grpSpPr>
+      <p:sp>
+        <p:nvSpPr>
           <p:cNvPr id="2" name="Title 1">
             <a:extLst>
               <a:ext uri="{FF2B5EF4-FFF2-40B4-BE49-F238E27FC236}">
@@ -16222,7 +16856,7 @@
             <a:fld id="{D57F1E4F-1CFF-5643-939E-217C01CDF565}" type="slidenum">
               <a:rPr lang="en-US" smtClean="0"/>
               <a:pPr/>
-              <a:t>11</a:t>
+              <a:t>14</a:t>
             </a:fld>
             <a:endParaRPr lang="en-US" dirty="0"/>
           </a:p>
@@ -16241,383 +16875,7 @@
 </p:sld>
 </file>
 
-<file path=ppt/slides/slide12.xml><?xml version="1.0" encoding="utf-8"?>
-<p:sld xmlns:a="http://schemas.openxmlformats.org/drawingml/2006/main" xmlns:r="http://schemas.openxmlformats.org/officeDocument/2006/relationships" xmlns:p="http://schemas.openxmlformats.org/presentationml/2006/main">
-  <p:cSld>
-    <p:spTree>
-      <p:nvGrpSpPr>
-        <p:cNvPr id="1" name=""/>
-        <p:cNvGrpSpPr/>
-        <p:nvPr/>
-      </p:nvGrpSpPr>
-      <p:grpSpPr>
-        <a:xfrm>
-          <a:off x="0" y="0"/>
-          <a:ext cx="0" cy="0"/>
-          <a:chOff x="0" y="0"/>
-          <a:chExt cx="0" cy="0"/>
-        </a:xfrm>
-      </p:grpSpPr>
-      <p:sp>
-        <p:nvSpPr>
-          <p:cNvPr id="2" name="Title 1">
-            <a:extLst>
-              <a:ext uri="{FF2B5EF4-FFF2-40B4-BE49-F238E27FC236}">
-                <a16:creationId xmlns:a16="http://schemas.microsoft.com/office/drawing/2014/main" id="{E7FF9F6B-5502-4C8E-9AC6-B38498A75744}"/>
-              </a:ext>
-            </a:extLst>
-          </p:cNvPr>
-          <p:cNvSpPr>
-            <a:spLocks noGrp="1"/>
-          </p:cNvSpPr>
-          <p:nvPr>
-            <p:ph type="title"/>
-          </p:nvPr>
-        </p:nvSpPr>
-        <p:spPr/>
-        <p:txBody>
-          <a:bodyPr/>
-          <a:lstStyle/>
-          <a:p>
-            <a:r>
-              <a:rPr lang="en-US" dirty="0"/>
-              <a:t>Hosting Your App</a:t>
-            </a:r>
-          </a:p>
-        </p:txBody>
-      </p:sp>
-      <p:sp>
-        <p:nvSpPr>
-          <p:cNvPr id="6" name="Content Placeholder 5">
-            <a:extLst>
-              <a:ext uri="{FF2B5EF4-FFF2-40B4-BE49-F238E27FC236}">
-                <a16:creationId xmlns:a16="http://schemas.microsoft.com/office/drawing/2014/main" id="{EE29F5B9-7B51-43D1-9CDA-E0302098E8B6}"/>
-              </a:ext>
-            </a:extLst>
-          </p:cNvPr>
-          <p:cNvSpPr>
-            <a:spLocks noGrp="1"/>
-          </p:cNvSpPr>
-          <p:nvPr>
-            <p:ph idx="1"/>
-          </p:nvPr>
-        </p:nvSpPr>
-        <p:spPr>
-          <a:xfrm>
-            <a:off x="1154955" y="2603500"/>
-            <a:ext cx="9942536" cy="3416300"/>
-          </a:xfrm>
-        </p:spPr>
-        <p:txBody>
-          <a:bodyPr>
-            <a:normAutofit/>
-          </a:bodyPr>
-          <a:lstStyle/>
-          <a:p>
-            <a:endParaRPr lang="en-US" sz="2400" dirty="0"/>
-          </a:p>
-          <a:p>
-            <a:r>
-              <a:rPr lang="en-US" sz="2400" dirty="0"/>
-              <a:t>Shiny Server Open Source (runs on popular Linux distributions)</a:t>
-            </a:r>
-          </a:p>
-          <a:p>
-            <a:r>
-              <a:rPr lang="en-US" sz="2400" dirty="0"/>
-              <a:t>Deploy to the cloud @ shinyapps.io (free and commercial)</a:t>
-            </a:r>
-          </a:p>
-          <a:p>
-            <a:r>
-              <a:rPr lang="en-US" sz="2400" dirty="0"/>
-              <a:t>Shiny Server Pro (commercial)</a:t>
-            </a:r>
-          </a:p>
-          <a:p>
-            <a:r>
-              <a:rPr lang="en-US" sz="2400" dirty="0"/>
-              <a:t>RStudio Connect (commercial)</a:t>
-            </a:r>
-          </a:p>
-        </p:txBody>
-      </p:sp>
-      <p:sp>
-        <p:nvSpPr>
-          <p:cNvPr id="5" name="Slide Number Placeholder 4">
-            <a:extLst>
-              <a:ext uri="{FF2B5EF4-FFF2-40B4-BE49-F238E27FC236}">
-                <a16:creationId xmlns:a16="http://schemas.microsoft.com/office/drawing/2014/main" id="{E40F8DEC-9FCA-4872-BA6E-5510929D242C}"/>
-              </a:ext>
-            </a:extLst>
-          </p:cNvPr>
-          <p:cNvSpPr>
-            <a:spLocks noGrp="1"/>
-          </p:cNvSpPr>
-          <p:nvPr>
-            <p:ph type="sldNum" sz="quarter" idx="12"/>
-          </p:nvPr>
-        </p:nvSpPr>
-        <p:spPr/>
-        <p:txBody>
-          <a:bodyPr/>
-          <a:lstStyle/>
-          <a:p>
-            <a:fld id="{D57F1E4F-1CFF-5643-939E-217C01CDF565}" type="slidenum">
-              <a:rPr lang="en-US" smtClean="0"/>
-              <a:pPr/>
-              <a:t>12</a:t>
-            </a:fld>
-            <a:endParaRPr lang="en-US" dirty="0"/>
-          </a:p>
-        </p:txBody>
-      </p:sp>
-    </p:spTree>
-    <p:extLst>
-      <p:ext uri="{BB962C8B-B14F-4D97-AF65-F5344CB8AC3E}">
-        <p14:creationId xmlns:p14="http://schemas.microsoft.com/office/powerpoint/2010/main" val="228823314"/>
-      </p:ext>
-    </p:extLst>
-  </p:cSld>
-  <p:clrMapOvr>
-    <a:masterClrMapping/>
-  </p:clrMapOvr>
-</p:sld>
-</file>
-
-<file path=ppt/slides/slide13.xml><?xml version="1.0" encoding="utf-8"?>
-<p:sld xmlns:a="http://schemas.openxmlformats.org/drawingml/2006/main" xmlns:r="http://schemas.openxmlformats.org/officeDocument/2006/relationships" xmlns:p="http://schemas.openxmlformats.org/presentationml/2006/main">
-  <p:cSld>
-    <p:spTree>
-      <p:nvGrpSpPr>
-        <p:cNvPr id="1" name=""/>
-        <p:cNvGrpSpPr/>
-        <p:nvPr/>
-      </p:nvGrpSpPr>
-      <p:grpSpPr>
-        <a:xfrm>
-          <a:off x="0" y="0"/>
-          <a:ext cx="0" cy="0"/>
-          <a:chOff x="0" y="0"/>
-          <a:chExt cx="0" cy="0"/>
-        </a:xfrm>
-      </p:grpSpPr>
-      <p:sp>
-        <p:nvSpPr>
-          <p:cNvPr id="2" name="Title 1">
-            <a:extLst>
-              <a:ext uri="{FF2B5EF4-FFF2-40B4-BE49-F238E27FC236}">
-                <a16:creationId xmlns:a16="http://schemas.microsoft.com/office/drawing/2014/main" id="{A2662A5F-BF68-4912-A6BB-F7A7C33C68CF}"/>
-              </a:ext>
-            </a:extLst>
-          </p:cNvPr>
-          <p:cNvSpPr>
-            <a:spLocks noGrp="1"/>
-          </p:cNvSpPr>
-          <p:nvPr>
-            <p:ph type="title"/>
-          </p:nvPr>
-        </p:nvSpPr>
-        <p:spPr/>
-        <p:txBody>
-          <a:bodyPr/>
-          <a:lstStyle/>
-          <a:p>
-            <a:r>
-              <a:rPr lang="en-US" dirty="0"/>
-              <a:t>Additional Resources</a:t>
-            </a:r>
-          </a:p>
-        </p:txBody>
-      </p:sp>
-      <p:sp>
-        <p:nvSpPr>
-          <p:cNvPr id="5" name="Content Placeholder 4">
-            <a:extLst>
-              <a:ext uri="{FF2B5EF4-FFF2-40B4-BE49-F238E27FC236}">
-                <a16:creationId xmlns:a16="http://schemas.microsoft.com/office/drawing/2014/main" id="{D3F96714-26EF-4D92-AEE6-6A5A480364DA}"/>
-              </a:ext>
-            </a:extLst>
-          </p:cNvPr>
-          <p:cNvSpPr>
-            <a:spLocks noGrp="1"/>
-          </p:cNvSpPr>
-          <p:nvPr>
-            <p:ph sz="half" idx="1"/>
-          </p:nvPr>
-        </p:nvSpPr>
-        <p:spPr/>
-        <p:txBody>
-          <a:bodyPr>
-            <a:normAutofit/>
-          </a:bodyPr>
-          <a:lstStyle/>
-          <a:p>
-            <a:pPr marL="0" indent="0">
-              <a:buNone/>
-            </a:pPr>
-            <a:r>
-              <a:rPr lang="en-US" sz="2400" b="1" dirty="0"/>
-              <a:t>For Learning</a:t>
-            </a:r>
-          </a:p>
-          <a:p>
-            <a:r>
-              <a:rPr lang="en-US" sz="2000" dirty="0">
-                <a:hlinkClick r:id="rId2"/>
-              </a:rPr>
-              <a:t>https://shiny.rstudio.com/tutorial/written-tutorial/lesson1/</a:t>
-            </a:r>
-            <a:endParaRPr lang="en-US" sz="2000" dirty="0"/>
-          </a:p>
-          <a:p>
-            <a:r>
-              <a:rPr lang="en-US" sz="2000" dirty="0">
-                <a:hlinkClick r:id="rId3"/>
-              </a:rPr>
-              <a:t>https://shiny.rstudio.com/tutorial/</a:t>
-            </a:r>
-            <a:endParaRPr lang="en-US" sz="2000" dirty="0"/>
-          </a:p>
-          <a:p>
-            <a:r>
-              <a:rPr lang="en-US" sz="2000" dirty="0">
-                <a:hlinkClick r:id="rId4"/>
-              </a:rPr>
-              <a:t>https://www.rstudio.com/resources/cheatsheets/#shiny</a:t>
-            </a:r>
-            <a:endParaRPr lang="en-US" sz="2000" dirty="0"/>
-          </a:p>
-          <a:p>
-            <a:r>
-              <a:rPr lang="en-US" sz="2000" dirty="0"/>
-              <a:t>94-880 “R Shiny for Operations” with Geoffrey Arnold</a:t>
-            </a:r>
-          </a:p>
-        </p:txBody>
-      </p:sp>
-      <p:sp>
-        <p:nvSpPr>
-          <p:cNvPr id="6" name="Content Placeholder 5">
-            <a:extLst>
-              <a:ext uri="{FF2B5EF4-FFF2-40B4-BE49-F238E27FC236}">
-                <a16:creationId xmlns:a16="http://schemas.microsoft.com/office/drawing/2014/main" id="{2FAD5D5A-CE8C-453D-9168-F1934A97C460}"/>
-              </a:ext>
-            </a:extLst>
-          </p:cNvPr>
-          <p:cNvSpPr>
-            <a:spLocks noGrp="1"/>
-          </p:cNvSpPr>
-          <p:nvPr>
-            <p:ph sz="half" idx="2"/>
-          </p:nvPr>
-        </p:nvSpPr>
-        <p:spPr/>
-        <p:txBody>
-          <a:bodyPr>
-            <a:normAutofit/>
-          </a:bodyPr>
-          <a:lstStyle/>
-          <a:p>
-            <a:pPr marL="0" indent="0">
-              <a:buNone/>
-            </a:pPr>
-            <a:r>
-              <a:rPr lang="en-US" sz="2400" b="1" dirty="0"/>
-              <a:t>For Building Cooler Apps!</a:t>
-            </a:r>
-          </a:p>
-          <a:p>
-            <a:r>
-              <a:rPr lang="en-US" sz="2000" dirty="0">
-                <a:hlinkClick r:id="rId5"/>
-              </a:rPr>
-              <a:t>https://shiny.rstudio.com/gallery/widget-gallery.html</a:t>
-            </a:r>
-            <a:endParaRPr lang="en-US" sz="2000" dirty="0"/>
-          </a:p>
-          <a:p>
-            <a:r>
-              <a:rPr lang="en-US" sz="2000" dirty="0">
-                <a:hlinkClick r:id="rId6"/>
-              </a:rPr>
-              <a:t>http://rpubs.com/insight/leaflet</a:t>
-            </a:r>
-            <a:endParaRPr lang="en-US" sz="2000" dirty="0"/>
-          </a:p>
-          <a:p>
-            <a:r>
-              <a:rPr lang="en-US" sz="2000" dirty="0"/>
-              <a:t>Shiny Dashboards, </a:t>
-            </a:r>
-            <a:r>
-              <a:rPr lang="en-US" sz="2000" dirty="0" err="1"/>
-              <a:t>Flexdashboards</a:t>
-            </a:r>
-            <a:endParaRPr lang="en-US" sz="2000" dirty="0"/>
-          </a:p>
-          <a:p>
-            <a:r>
-              <a:rPr lang="en-US" sz="2000" dirty="0" err="1"/>
-              <a:t>GoogleVis</a:t>
-            </a:r>
-            <a:r>
-              <a:rPr lang="en-US" sz="2000" dirty="0"/>
-              <a:t>, leaflet</a:t>
-            </a:r>
-          </a:p>
-          <a:p>
-            <a:endParaRPr lang="en-US" sz="2000" dirty="0"/>
-          </a:p>
-          <a:p>
-            <a:endParaRPr lang="en-US" sz="2000" b="1" dirty="0"/>
-          </a:p>
-        </p:txBody>
-      </p:sp>
-      <p:sp>
-        <p:nvSpPr>
-          <p:cNvPr id="7" name="Slide Number Placeholder 6">
-            <a:extLst>
-              <a:ext uri="{FF2B5EF4-FFF2-40B4-BE49-F238E27FC236}">
-                <a16:creationId xmlns:a16="http://schemas.microsoft.com/office/drawing/2014/main" id="{E94C7C1D-DBC2-4ED3-816C-4DBD9764D530}"/>
-              </a:ext>
-            </a:extLst>
-          </p:cNvPr>
-          <p:cNvSpPr>
-            <a:spLocks noGrp="1"/>
-          </p:cNvSpPr>
-          <p:nvPr>
-            <p:ph type="sldNum" sz="quarter" idx="12"/>
-          </p:nvPr>
-        </p:nvSpPr>
-        <p:spPr/>
-        <p:txBody>
-          <a:bodyPr/>
-          <a:lstStyle/>
-          <a:p>
-            <a:fld id="{D57F1E4F-1CFF-5643-939E-217C01CDF565}" type="slidenum">
-              <a:rPr lang="en-US" smtClean="0"/>
-              <a:pPr/>
-              <a:t>13</a:t>
-            </a:fld>
-            <a:endParaRPr lang="en-US" dirty="0"/>
-          </a:p>
-        </p:txBody>
-      </p:sp>
-    </p:spTree>
-    <p:extLst>
-      <p:ext uri="{BB962C8B-B14F-4D97-AF65-F5344CB8AC3E}">
-        <p14:creationId xmlns:p14="http://schemas.microsoft.com/office/powerpoint/2010/main" val="1715192231"/>
-      </p:ext>
-    </p:extLst>
-  </p:cSld>
-  <p:clrMapOvr>
-    <a:masterClrMapping/>
-  </p:clrMapOvr>
-</p:sld>
-</file>
-
-<file path=ppt/slides/slide14.xml><?xml version="1.0" encoding="utf-8"?>
+<file path=ppt/slides/slide15.xml><?xml version="1.0" encoding="utf-8"?>
 <p:sld xmlns:a="http://schemas.openxmlformats.org/drawingml/2006/main" xmlns:r="http://schemas.openxmlformats.org/officeDocument/2006/relationships" xmlns:p="http://schemas.openxmlformats.org/presentationml/2006/main">
   <p:cSld>
     <p:bg>
@@ -17787,7 +18045,7 @@
             <a:fld id="{D57F1E4F-1CFF-5643-939E-217C01CDF565}" type="slidenum">
               <a:rPr lang="en-US" smtClean="0"/>
               <a:pPr/>
-              <a:t>14</a:t>
+              <a:t>15</a:t>
             </a:fld>
             <a:endParaRPr lang="en-US" dirty="0"/>
           </a:p>
@@ -17915,7 +18173,7 @@
             </a:pPr>
             <a:r>
               <a:rPr lang="en-US" sz="2800" dirty="0"/>
-              <a:t>Build one yourself!</a:t>
+              <a:t>Review the key components </a:t>
             </a:r>
           </a:p>
           <a:p>
@@ -17926,6 +18184,16 @@
             <a:r>
               <a:rPr lang="en-US" sz="2800" dirty="0"/>
               <a:t>Visit additional resources</a:t>
+            </a:r>
+          </a:p>
+          <a:p>
+            <a:pPr>
+              <a:buFont typeface="+mj-lt"/>
+              <a:buAutoNum type="arabicPeriod"/>
+            </a:pPr>
+            <a:r>
+              <a:rPr lang="en-US" sz="2800" dirty="0"/>
+              <a:t>Build one yourself!</a:t>
             </a:r>
           </a:p>
           <a:p>
